--- a/Doc/3D Graphic.pptx
+++ b/Doc/3D Graphic.pptx
@@ -4,6 +4,12 @@
   <p:sldMasterIdLst>
     <p:sldMasterId id="2147483648" r:id="rId1"/>
   </p:sldMasterIdLst>
+  <p:notesMasterIdLst>
+    <p:notesMasterId r:id="rId20"/>
+  </p:notesMasterIdLst>
+  <p:handoutMasterIdLst>
+    <p:handoutMasterId r:id="rId21"/>
+  </p:handoutMasterIdLst>
   <p:sldIdLst>
     <p:sldId id="257" r:id="rId3"/>
     <p:sldId id="258" r:id="rId4"/>
@@ -15,7 +21,13 @@
     <p:sldId id="274" r:id="rId10"/>
     <p:sldId id="273" r:id="rId11"/>
     <p:sldId id="276" r:id="rId12"/>
-    <p:sldId id="264" r:id="rId13"/>
+    <p:sldId id="280" r:id="rId13"/>
+    <p:sldId id="281" r:id="rId14"/>
+    <p:sldId id="282" r:id="rId15"/>
+    <p:sldId id="283" r:id="rId16"/>
+    <p:sldId id="284" r:id="rId17"/>
+    <p:sldId id="285" r:id="rId18"/>
+    <p:sldId id="264" r:id="rId19"/>
   </p:sldIdLst>
   <p:sldSz cx="12192000" cy="6858000"/>
   <p:notesSz cx="6858000" cy="9144000"/>
@@ -115,6 +127,511 @@
     </a:lvl9pPr>
   </p:defaultTextStyle>
 </p:presentation>
+</file>
+
+<file path=ppt/handoutMasters/handoutMaster1.xml><?xml version="1.0" encoding="utf-8"?>
+<p:handoutMaster xmlns:a="http://schemas.openxmlformats.org/drawingml/2006/main" xmlns:r="http://schemas.openxmlformats.org/officeDocument/2006/relationships" xmlns:p="http://schemas.openxmlformats.org/presentationml/2006/main">
+  <p:cSld>
+    <p:bg>
+      <p:bgRef idx="1001">
+        <a:schemeClr val="bg1"/>
+      </p:bgRef>
+    </p:bg>
+    <p:spTree>
+      <p:nvGrpSpPr>
+        <p:cNvPr id="1" name=""/>
+        <p:cNvGrpSpPr/>
+        <p:nvPr/>
+      </p:nvGrpSpPr>
+      <p:grpSpPr>
+        <a:xfrm>
+          <a:off x="0" y="0"/>
+          <a:ext cx="0" cy="0"/>
+          <a:chOff x="0" y="0"/>
+          <a:chExt cx="0" cy="0"/>
+        </a:xfrm>
+      </p:grpSpPr>
+      <p:sp>
+        <p:nvSpPr>
+          <p:cNvPr id="2" name="页眉占位符 1"/>
+          <p:cNvSpPr>
+            <a:spLocks noGrp="1"/>
+          </p:cNvSpPr>
+          <p:nvPr>
+            <p:ph type="hdr" sz="quarter"/>
+          </p:nvPr>
+        </p:nvSpPr>
+        <p:spPr>
+          <a:xfrm>
+            <a:off x="0" y="0"/>
+            <a:ext cx="2971800" cy="458788"/>
+          </a:xfrm>
+          <a:prstGeom prst="rect">
+            <a:avLst/>
+          </a:prstGeom>
+        </p:spPr>
+        <p:txBody>
+          <a:bodyPr vert="horz" lIns="91440" tIns="45720" rIns="91440" bIns="45720" rtlCol="0"/>
+          <a:lstStyle>
+            <a:lvl1pPr algn="l">
+              <a:defRPr sz="1200"/>
+            </a:lvl1pPr>
+          </a:lstStyle>
+          <a:p>
+            <a:endParaRPr lang="zh-CN" altLang="en-US"/>
+          </a:p>
+        </p:txBody>
+      </p:sp>
+      <p:sp>
+        <p:nvSpPr>
+          <p:cNvPr id="3" name="日期占位符 2"/>
+          <p:cNvSpPr>
+            <a:spLocks noGrp="1"/>
+          </p:cNvSpPr>
+          <p:nvPr>
+            <p:ph type="dt" sz="quarter" idx="1"/>
+          </p:nvPr>
+        </p:nvSpPr>
+        <p:spPr>
+          <a:xfrm>
+            <a:off x="3884613" y="0"/>
+            <a:ext cx="2971800" cy="458788"/>
+          </a:xfrm>
+          <a:prstGeom prst="rect">
+            <a:avLst/>
+          </a:prstGeom>
+        </p:spPr>
+        <p:txBody>
+          <a:bodyPr vert="horz" lIns="91440" tIns="45720" rIns="91440" bIns="45720" rtlCol="0"/>
+          <a:lstStyle>
+            <a:lvl1pPr algn="r">
+              <a:defRPr sz="1200"/>
+            </a:lvl1pPr>
+          </a:lstStyle>
+          <a:p>
+            <a:fld id="{0F9B84EA-7D68-4D60-9CB1-D50884785D1C}" type="datetimeFigureOut">
+              <a:rPr lang="zh-CN" altLang="en-US" smtClean="0"/>
+            </a:fld>
+            <a:endParaRPr lang="zh-CN" altLang="en-US"/>
+          </a:p>
+        </p:txBody>
+      </p:sp>
+      <p:sp>
+        <p:nvSpPr>
+          <p:cNvPr id="4" name="页脚占位符 3"/>
+          <p:cNvSpPr>
+            <a:spLocks noGrp="1"/>
+          </p:cNvSpPr>
+          <p:nvPr>
+            <p:ph type="ftr" sz="quarter" idx="2"/>
+          </p:nvPr>
+        </p:nvSpPr>
+        <p:spPr>
+          <a:xfrm>
+            <a:off x="0" y="8685213"/>
+            <a:ext cx="2971800" cy="458787"/>
+          </a:xfrm>
+          <a:prstGeom prst="rect">
+            <a:avLst/>
+          </a:prstGeom>
+        </p:spPr>
+        <p:txBody>
+          <a:bodyPr vert="horz" lIns="91440" tIns="45720" rIns="91440" bIns="45720" rtlCol="0" anchor="b"/>
+          <a:lstStyle>
+            <a:lvl1pPr algn="l">
+              <a:defRPr sz="1200"/>
+            </a:lvl1pPr>
+          </a:lstStyle>
+          <a:p>
+            <a:endParaRPr lang="zh-CN" altLang="en-US"/>
+          </a:p>
+        </p:txBody>
+      </p:sp>
+      <p:sp>
+        <p:nvSpPr>
+          <p:cNvPr id="5" name="灯片编号占位符 4"/>
+          <p:cNvSpPr>
+            <a:spLocks noGrp="1"/>
+          </p:cNvSpPr>
+          <p:nvPr>
+            <p:ph type="sldNum" sz="quarter" idx="3"/>
+          </p:nvPr>
+        </p:nvSpPr>
+        <p:spPr>
+          <a:xfrm>
+            <a:off x="3884613" y="8685213"/>
+            <a:ext cx="2971800" cy="458787"/>
+          </a:xfrm>
+          <a:prstGeom prst="rect">
+            <a:avLst/>
+          </a:prstGeom>
+        </p:spPr>
+        <p:txBody>
+          <a:bodyPr vert="horz" lIns="91440" tIns="45720" rIns="91440" bIns="45720" rtlCol="0" anchor="b"/>
+          <a:lstStyle>
+            <a:lvl1pPr algn="r">
+              <a:defRPr sz="1200"/>
+            </a:lvl1pPr>
+          </a:lstStyle>
+          <a:p>
+            <a:fld id="{8D4E0FC9-F1F8-4FAE-9988-3BA365CFD46F}" type="slidenum">
+              <a:rPr lang="zh-CN" altLang="en-US" smtClean="0"/>
+            </a:fld>
+            <a:endParaRPr lang="zh-CN" altLang="en-US"/>
+          </a:p>
+        </p:txBody>
+      </p:sp>
+    </p:spTree>
+  </p:cSld>
+  <p:clrMap bg1="lt1" tx1="dk1" bg2="lt2" tx2="dk2" accent1="accent1" accent2="accent2" accent3="accent3" accent4="accent4" accent5="accent5" accent6="accent6" hlink="hlink" folHlink="folHlink"/>
+</p:handoutMaster>
+</file>
+
+<file path=ppt/notesMasters/notesMaster1.xml><?xml version="1.0" encoding="utf-8"?>
+<p:notesMaster xmlns:a="http://schemas.openxmlformats.org/drawingml/2006/main" xmlns:r="http://schemas.openxmlformats.org/officeDocument/2006/relationships" xmlns:p="http://schemas.openxmlformats.org/presentationml/2006/main">
+  <p:cSld>
+    <p:bg>
+      <p:bgRef idx="1001">
+        <a:schemeClr val="bg1"/>
+      </p:bgRef>
+    </p:bg>
+    <p:spTree>
+      <p:nvGrpSpPr>
+        <p:cNvPr id="1" name=""/>
+        <p:cNvGrpSpPr/>
+        <p:nvPr/>
+      </p:nvGrpSpPr>
+      <p:grpSpPr>
+        <a:xfrm>
+          <a:off x="0" y="0"/>
+          <a:ext cx="0" cy="0"/>
+          <a:chOff x="0" y="0"/>
+          <a:chExt cx="0" cy="0"/>
+        </a:xfrm>
+      </p:grpSpPr>
+      <p:sp>
+        <p:nvSpPr>
+          <p:cNvPr id="2" name="页眉占位符 1"/>
+          <p:cNvSpPr>
+            <a:spLocks noGrp="1"/>
+          </p:cNvSpPr>
+          <p:nvPr>
+            <p:ph type="hdr" sz="quarter"/>
+          </p:nvPr>
+        </p:nvSpPr>
+        <p:spPr>
+          <a:xfrm>
+            <a:off x="0" y="0"/>
+            <a:ext cx="2971800" cy="458788"/>
+          </a:xfrm>
+          <a:prstGeom prst="rect">
+            <a:avLst/>
+          </a:prstGeom>
+        </p:spPr>
+        <p:txBody>
+          <a:bodyPr vert="horz" lIns="91440" tIns="45720" rIns="91440" bIns="45720" rtlCol="0"/>
+          <a:lstStyle>
+            <a:lvl1pPr algn="l">
+              <a:defRPr sz="1200"/>
+            </a:lvl1pPr>
+          </a:lstStyle>
+          <a:p>
+            <a:endParaRPr lang="zh-CN" altLang="en-US"/>
+          </a:p>
+        </p:txBody>
+      </p:sp>
+      <p:sp>
+        <p:nvSpPr>
+          <p:cNvPr id="3" name="日期占位符 2"/>
+          <p:cNvSpPr>
+            <a:spLocks noGrp="1"/>
+          </p:cNvSpPr>
+          <p:nvPr>
+            <p:ph type="dt" idx="1"/>
+          </p:nvPr>
+        </p:nvSpPr>
+        <p:spPr>
+          <a:xfrm>
+            <a:off x="3884613" y="0"/>
+            <a:ext cx="2971800" cy="458788"/>
+          </a:xfrm>
+          <a:prstGeom prst="rect">
+            <a:avLst/>
+          </a:prstGeom>
+        </p:spPr>
+        <p:txBody>
+          <a:bodyPr vert="horz" lIns="91440" tIns="45720" rIns="91440" bIns="45720" rtlCol="0"/>
+          <a:lstStyle>
+            <a:lvl1pPr algn="r">
+              <a:defRPr sz="1200"/>
+            </a:lvl1pPr>
+          </a:lstStyle>
+          <a:p>
+            <a:fld id="{D2A48B96-639E-45A3-A0BA-2464DFDB1FAA}" type="datetimeFigureOut">
+              <a:rPr lang="zh-CN" altLang="en-US" smtClean="0"/>
+            </a:fld>
+            <a:endParaRPr lang="zh-CN" altLang="en-US"/>
+          </a:p>
+        </p:txBody>
+      </p:sp>
+      <p:sp>
+        <p:nvSpPr>
+          <p:cNvPr id="4" name="幻灯片图像占位符 3"/>
+          <p:cNvSpPr>
+            <a:spLocks noGrp="1" noRot="1" noChangeAspect="1"/>
+          </p:cNvSpPr>
+          <p:nvPr>
+            <p:ph type="sldImg" idx="2"/>
+          </p:nvPr>
+        </p:nvSpPr>
+        <p:spPr>
+          <a:xfrm>
+            <a:off x="685800" y="1143000"/>
+            <a:ext cx="5486400" cy="3086100"/>
+          </a:xfrm>
+          <a:prstGeom prst="rect">
+            <a:avLst/>
+          </a:prstGeom>
+          <a:noFill/>
+          <a:ln w="12700">
+            <a:solidFill>
+              <a:prstClr val="black"/>
+            </a:solidFill>
+          </a:ln>
+        </p:spPr>
+        <p:txBody>
+          <a:bodyPr vert="horz" lIns="91440" tIns="45720" rIns="91440" bIns="45720" rtlCol="0" anchor="ctr"/>
+          <a:lstStyle/>
+          <a:p>
+            <a:endParaRPr lang="zh-CN" altLang="en-US"/>
+          </a:p>
+        </p:txBody>
+      </p:sp>
+      <p:sp>
+        <p:nvSpPr>
+          <p:cNvPr id="5" name="备注占位符 4"/>
+          <p:cNvSpPr>
+            <a:spLocks noGrp="1"/>
+          </p:cNvSpPr>
+          <p:nvPr>
+            <p:ph type="body" sz="quarter" idx="3"/>
+          </p:nvPr>
+        </p:nvSpPr>
+        <p:spPr>
+          <a:xfrm>
+            <a:off x="685800" y="4400550"/>
+            <a:ext cx="5486400" cy="3600450"/>
+          </a:xfrm>
+          <a:prstGeom prst="rect">
+            <a:avLst/>
+          </a:prstGeom>
+        </p:spPr>
+        <p:txBody>
+          <a:bodyPr vert="horz" lIns="91440" tIns="45720" rIns="91440" bIns="45720" rtlCol="0"/>
+          <a:lstStyle/>
+          <a:p>
+            <a:pPr lvl="0"/>
+            <a:r>
+              <a:rPr lang="zh-CN" altLang="en-US" smtClean="0"/>
+              <a:t>单击此处编辑母版文本样式</a:t>
+            </a:r>
+            <a:endParaRPr lang="zh-CN" altLang="en-US" smtClean="0"/>
+          </a:p>
+          <a:p>
+            <a:pPr lvl="1"/>
+            <a:r>
+              <a:rPr lang="zh-CN" altLang="en-US" smtClean="0"/>
+              <a:t>第二级</a:t>
+            </a:r>
+            <a:endParaRPr lang="zh-CN" altLang="en-US" smtClean="0"/>
+          </a:p>
+          <a:p>
+            <a:pPr lvl="2"/>
+            <a:r>
+              <a:rPr lang="zh-CN" altLang="en-US" smtClean="0"/>
+              <a:t>第三级</a:t>
+            </a:r>
+            <a:endParaRPr lang="zh-CN" altLang="en-US" smtClean="0"/>
+          </a:p>
+          <a:p>
+            <a:pPr lvl="3"/>
+            <a:r>
+              <a:rPr lang="zh-CN" altLang="en-US" smtClean="0"/>
+              <a:t>第四级</a:t>
+            </a:r>
+            <a:endParaRPr lang="zh-CN" altLang="en-US" smtClean="0"/>
+          </a:p>
+          <a:p>
+            <a:pPr lvl="4"/>
+            <a:r>
+              <a:rPr lang="zh-CN" altLang="en-US" smtClean="0"/>
+              <a:t>第五级</a:t>
+            </a:r>
+            <a:endParaRPr lang="zh-CN" altLang="en-US"/>
+          </a:p>
+        </p:txBody>
+      </p:sp>
+      <p:sp>
+        <p:nvSpPr>
+          <p:cNvPr id="6" name="页脚占位符 5"/>
+          <p:cNvSpPr>
+            <a:spLocks noGrp="1"/>
+          </p:cNvSpPr>
+          <p:nvPr>
+            <p:ph type="ftr" sz="quarter" idx="4"/>
+          </p:nvPr>
+        </p:nvSpPr>
+        <p:spPr>
+          <a:xfrm>
+            <a:off x="0" y="8685213"/>
+            <a:ext cx="2971800" cy="458787"/>
+          </a:xfrm>
+          <a:prstGeom prst="rect">
+            <a:avLst/>
+          </a:prstGeom>
+        </p:spPr>
+        <p:txBody>
+          <a:bodyPr vert="horz" lIns="91440" tIns="45720" rIns="91440" bIns="45720" rtlCol="0" anchor="b"/>
+          <a:lstStyle>
+            <a:lvl1pPr algn="l">
+              <a:defRPr sz="1200"/>
+            </a:lvl1pPr>
+          </a:lstStyle>
+          <a:p>
+            <a:endParaRPr lang="zh-CN" altLang="en-US"/>
+          </a:p>
+        </p:txBody>
+      </p:sp>
+      <p:sp>
+        <p:nvSpPr>
+          <p:cNvPr id="7" name="灯片编号占位符 6"/>
+          <p:cNvSpPr>
+            <a:spLocks noGrp="1"/>
+          </p:cNvSpPr>
+          <p:nvPr>
+            <p:ph type="sldNum" sz="quarter" idx="5"/>
+          </p:nvPr>
+        </p:nvSpPr>
+        <p:spPr>
+          <a:xfrm>
+            <a:off x="3884613" y="8685213"/>
+            <a:ext cx="2971800" cy="458787"/>
+          </a:xfrm>
+          <a:prstGeom prst="rect">
+            <a:avLst/>
+          </a:prstGeom>
+        </p:spPr>
+        <p:txBody>
+          <a:bodyPr vert="horz" lIns="91440" tIns="45720" rIns="91440" bIns="45720" rtlCol="0" anchor="b"/>
+          <a:lstStyle>
+            <a:lvl1pPr algn="r">
+              <a:defRPr sz="1200"/>
+            </a:lvl1pPr>
+          </a:lstStyle>
+          <a:p>
+            <a:fld id="{A6837353-30EB-4A48-80EB-173D804AEFBD}" type="slidenum">
+              <a:rPr lang="zh-CN" altLang="en-US" smtClean="0"/>
+            </a:fld>
+            <a:endParaRPr lang="zh-CN" altLang="en-US"/>
+          </a:p>
+        </p:txBody>
+      </p:sp>
+    </p:spTree>
+  </p:cSld>
+  <p:clrMap bg1="lt1" tx1="dk1" bg2="lt2" tx2="dk2" accent1="accent1" accent2="accent2" accent3="accent3" accent4="accent4" accent5="accent5" accent6="accent6" hlink="hlink" folHlink="folHlink"/>
+  <p:notesStyle>
+    <a:lvl1pPr marL="0" algn="l" defTabSz="914400" rtl="0" eaLnBrk="1" latinLnBrk="0" hangingPunct="1">
+      <a:defRPr sz="1200" kern="1200">
+        <a:solidFill>
+          <a:schemeClr val="tx1"/>
+        </a:solidFill>
+        <a:latin typeface="+mn-lt"/>
+        <a:ea typeface="+mn-ea"/>
+        <a:cs typeface="+mn-cs"/>
+      </a:defRPr>
+    </a:lvl1pPr>
+    <a:lvl2pPr marL="457200" algn="l" defTabSz="914400" rtl="0" eaLnBrk="1" latinLnBrk="0" hangingPunct="1">
+      <a:defRPr sz="1200" kern="1200">
+        <a:solidFill>
+          <a:schemeClr val="tx1"/>
+        </a:solidFill>
+        <a:latin typeface="+mn-lt"/>
+        <a:ea typeface="+mn-ea"/>
+        <a:cs typeface="+mn-cs"/>
+      </a:defRPr>
+    </a:lvl2pPr>
+    <a:lvl3pPr marL="914400" algn="l" defTabSz="914400" rtl="0" eaLnBrk="1" latinLnBrk="0" hangingPunct="1">
+      <a:defRPr sz="1200" kern="1200">
+        <a:solidFill>
+          <a:schemeClr val="tx1"/>
+        </a:solidFill>
+        <a:latin typeface="+mn-lt"/>
+        <a:ea typeface="+mn-ea"/>
+        <a:cs typeface="+mn-cs"/>
+      </a:defRPr>
+    </a:lvl3pPr>
+    <a:lvl4pPr marL="1371600" algn="l" defTabSz="914400" rtl="0" eaLnBrk="1" latinLnBrk="0" hangingPunct="1">
+      <a:defRPr sz="1200" kern="1200">
+        <a:solidFill>
+          <a:schemeClr val="tx1"/>
+        </a:solidFill>
+        <a:latin typeface="+mn-lt"/>
+        <a:ea typeface="+mn-ea"/>
+        <a:cs typeface="+mn-cs"/>
+      </a:defRPr>
+    </a:lvl4pPr>
+    <a:lvl5pPr marL="1828800" algn="l" defTabSz="914400" rtl="0" eaLnBrk="1" latinLnBrk="0" hangingPunct="1">
+      <a:defRPr sz="1200" kern="1200">
+        <a:solidFill>
+          <a:schemeClr val="tx1"/>
+        </a:solidFill>
+        <a:latin typeface="+mn-lt"/>
+        <a:ea typeface="+mn-ea"/>
+        <a:cs typeface="+mn-cs"/>
+      </a:defRPr>
+    </a:lvl5pPr>
+    <a:lvl6pPr marL="2286000" algn="l" defTabSz="914400" rtl="0" eaLnBrk="1" latinLnBrk="0" hangingPunct="1">
+      <a:defRPr sz="1200" kern="1200">
+        <a:solidFill>
+          <a:schemeClr val="tx1"/>
+        </a:solidFill>
+        <a:latin typeface="+mn-lt"/>
+        <a:ea typeface="+mn-ea"/>
+        <a:cs typeface="+mn-cs"/>
+      </a:defRPr>
+    </a:lvl6pPr>
+    <a:lvl7pPr marL="2743200" algn="l" defTabSz="914400" rtl="0" eaLnBrk="1" latinLnBrk="0" hangingPunct="1">
+      <a:defRPr sz="1200" kern="1200">
+        <a:solidFill>
+          <a:schemeClr val="tx1"/>
+        </a:solidFill>
+        <a:latin typeface="+mn-lt"/>
+        <a:ea typeface="+mn-ea"/>
+        <a:cs typeface="+mn-cs"/>
+      </a:defRPr>
+    </a:lvl7pPr>
+    <a:lvl8pPr marL="3200400" algn="l" defTabSz="914400" rtl="0" eaLnBrk="1" latinLnBrk="0" hangingPunct="1">
+      <a:defRPr sz="1200" kern="1200">
+        <a:solidFill>
+          <a:schemeClr val="tx1"/>
+        </a:solidFill>
+        <a:latin typeface="+mn-lt"/>
+        <a:ea typeface="+mn-ea"/>
+        <a:cs typeface="+mn-cs"/>
+      </a:defRPr>
+    </a:lvl8pPr>
+    <a:lvl9pPr marL="3657600" algn="l" defTabSz="914400" rtl="0" eaLnBrk="1" latinLnBrk="0" hangingPunct="1">
+      <a:defRPr sz="1200" kern="1200">
+        <a:solidFill>
+          <a:schemeClr val="tx1"/>
+        </a:solidFill>
+        <a:latin typeface="+mn-lt"/>
+        <a:ea typeface="+mn-ea"/>
+        <a:cs typeface="+mn-cs"/>
+      </a:defRPr>
+    </a:lvl9pPr>
+  </p:notesStyle>
+</p:notesMaster>
 </file>
 
 <file path=ppt/slideLayouts/slideLayout1.xml><?xml version="1.0" encoding="utf-8"?>
@@ -4086,55 +4603,6 @@
           </a:p>
         </p:txBody>
       </p:sp>
-      <p:graphicFrame>
-        <p:nvGraphicFramePr>
-          <p:cNvPr id="49" name="对象 48"/>
-          <p:cNvGraphicFramePr/>
-          <p:nvPr/>
-        </p:nvGraphicFramePr>
-        <p:xfrm>
-          <a:off x="1433830" y="3495040"/>
-          <a:ext cx="2987040" cy="1665605"/>
-        </p:xfrm>
-        <a:graphic>
-          <a:graphicData uri="http://schemas.openxmlformats.org/presentationml/2006/ole">
-            <mc:AlternateContent xmlns:mc="http://schemas.openxmlformats.org/markup-compatibility/2006">
-              <mc:Choice xmlns:v="urn:schemas-microsoft-com:vml" Requires="v">
-                <p:oleObj spid="_x0000_s50" name="" r:id="rId3" imgW="2794635" imgH="1816100" progId="Equation.KSEE3">
-                  <p:embed/>
-                </p:oleObj>
-              </mc:Choice>
-              <mc:Fallback>
-                <p:oleObj name="" r:id="rId3" imgW="2794635" imgH="1816100" progId="Equation.KSEE3">
-                  <p:embed/>
-                  <p:pic>
-                    <p:nvPicPr>
-                      <p:cNvPr id="0" name="图片 49"/>
-                      <p:cNvPicPr/>
-                      <p:nvPr/>
-                    </p:nvPicPr>
-                    <p:blipFill>
-                      <a:blip r:embed="rId4"/>
-                      <a:stretch>
-                        <a:fillRect/>
-                      </a:stretch>
-                    </p:blipFill>
-                    <p:spPr>
-                      <a:xfrm>
-                        <a:off x="1433830" y="3495040"/>
-                        <a:ext cx="2987040" cy="1665605"/>
-                      </a:xfrm>
-                      <a:prstGeom prst="rect">
-                        <a:avLst/>
-                      </a:prstGeom>
-                    </p:spPr>
-                  </p:pic>
-                </p:oleObj>
-              </mc:Fallback>
-            </mc:AlternateContent>
-          </a:graphicData>
-        </a:graphic>
-      </p:graphicFrame>
       <p:sp>
         <p:nvSpPr>
           <p:cNvPr id="51" name="右箭头 50"/>
@@ -4252,6 +4720,55 @@
           </a:p>
         </p:txBody>
       </p:sp>
+      <p:graphicFrame>
+        <p:nvGraphicFramePr>
+          <p:cNvPr id="5" name="对象 4"/>
+          <p:cNvGraphicFramePr/>
+          <p:nvPr/>
+        </p:nvGraphicFramePr>
+        <p:xfrm>
+          <a:off x="1271270" y="3500755"/>
+          <a:ext cx="3683635" cy="1647825"/>
+        </p:xfrm>
+        <a:graphic>
+          <a:graphicData uri="http://schemas.openxmlformats.org/presentationml/2006/ole">
+            <mc:AlternateContent xmlns:mc="http://schemas.openxmlformats.org/markup-compatibility/2006">
+              <mc:Choice xmlns:v="urn:schemas-microsoft-com:vml" Requires="v">
+                <p:oleObj spid="_x0000_s6" name="" r:id="rId3" imgW="2978150" imgH="1489710" progId="Equation.KSEE3">
+                  <p:embed/>
+                </p:oleObj>
+              </mc:Choice>
+              <mc:Fallback>
+                <p:oleObj name="" r:id="rId3" imgW="2978150" imgH="1489710" progId="Equation.KSEE3">
+                  <p:embed/>
+                  <p:pic>
+                    <p:nvPicPr>
+                      <p:cNvPr id="0" name="图片 5"/>
+                      <p:cNvPicPr/>
+                      <p:nvPr/>
+                    </p:nvPicPr>
+                    <p:blipFill>
+                      <a:blip r:embed="rId4"/>
+                      <a:stretch>
+                        <a:fillRect/>
+                      </a:stretch>
+                    </p:blipFill>
+                    <p:spPr>
+                      <a:xfrm>
+                        <a:off x="1271270" y="3500755"/>
+                        <a:ext cx="3683635" cy="1647825"/>
+                      </a:xfrm>
+                      <a:prstGeom prst="rect">
+                        <a:avLst/>
+                      </a:prstGeom>
+                    </p:spPr>
+                  </p:pic>
+                </p:oleObj>
+              </mc:Fallback>
+            </mc:AlternateContent>
+          </a:graphicData>
+        </a:graphic>
+      </p:graphicFrame>
     </p:spTree>
   </p:cSld>
   <p:clrMapOvr>
@@ -4280,6 +4797,3183 @@
 </file>
 
 <file path=ppt/slides/slide11.xml><?xml version="1.0" encoding="utf-8"?>
+<p:sld xmlns:a="http://schemas.openxmlformats.org/drawingml/2006/main" xmlns:r="http://schemas.openxmlformats.org/officeDocument/2006/relationships" xmlns:p="http://schemas.openxmlformats.org/presentationml/2006/main">
+  <p:cSld>
+    <p:spTree>
+      <p:nvGrpSpPr>
+        <p:cNvPr id="1" name=""/>
+        <p:cNvGrpSpPr/>
+        <p:nvPr/>
+      </p:nvGrpSpPr>
+      <p:grpSpPr>
+        <a:xfrm>
+          <a:off x="0" y="0"/>
+          <a:ext cx="0" cy="0"/>
+          <a:chOff x="0" y="0"/>
+          <a:chExt cx="0" cy="0"/>
+        </a:xfrm>
+      </p:grpSpPr>
+      <p:sp>
+        <p:nvSpPr>
+          <p:cNvPr id="3" name="矩形 2"/>
+          <p:cNvSpPr/>
+          <p:nvPr/>
+        </p:nvSpPr>
+        <p:spPr>
+          <a:xfrm>
+            <a:off x="0" y="131445"/>
+            <a:ext cx="12192000" cy="6858000"/>
+          </a:xfrm>
+          <a:prstGeom prst="rect">
+            <a:avLst/>
+          </a:prstGeom>
+          <a:blipFill dpi="0" rotWithShape="1">
+            <a:blip r:embed="rId1"/>
+            <a:srcRect/>
+            <a:tile tx="0" ty="0" sx="100000" sy="100000" flip="none" algn="tl"/>
+          </a:blipFill>
+          <a:ln>
+            <a:noFill/>
+          </a:ln>
+        </p:spPr>
+        <p:style>
+          <a:lnRef idx="2">
+            <a:schemeClr val="accent1">
+              <a:shade val="50000"/>
+            </a:schemeClr>
+          </a:lnRef>
+          <a:fillRef idx="1">
+            <a:schemeClr val="accent1"/>
+          </a:fillRef>
+          <a:effectRef idx="0">
+            <a:schemeClr val="accent1"/>
+          </a:effectRef>
+          <a:fontRef idx="minor">
+            <a:schemeClr val="lt1"/>
+          </a:fontRef>
+        </p:style>
+        <p:txBody>
+          <a:bodyPr rtlCol="0" anchor="ctr"/>
+          <a:lstStyle/>
+          <a:p>
+            <a:pPr algn="ctr"/>
+            <a:endParaRPr lang="zh-CN" altLang="en-US">
+              <a:solidFill>
+                <a:prstClr val="white"/>
+              </a:solidFill>
+            </a:endParaRPr>
+          </a:p>
+        </p:txBody>
+      </p:sp>
+      <p:sp>
+        <p:nvSpPr>
+          <p:cNvPr id="2" name="矩形 1"/>
+          <p:cNvSpPr/>
+          <p:nvPr/>
+        </p:nvSpPr>
+        <p:spPr>
+          <a:xfrm>
+            <a:off x="0" y="623888"/>
+            <a:ext cx="12192000" cy="547688"/>
+          </a:xfrm>
+          <a:prstGeom prst="rect">
+            <a:avLst/>
+          </a:prstGeom>
+          <a:solidFill>
+            <a:schemeClr val="bg1">
+              <a:lumMod val="85000"/>
+            </a:schemeClr>
+          </a:solidFill>
+          <a:ln>
+            <a:noFill/>
+          </a:ln>
+        </p:spPr>
+        <p:style>
+          <a:lnRef idx="2">
+            <a:schemeClr val="accent1">
+              <a:shade val="50000"/>
+            </a:schemeClr>
+          </a:lnRef>
+          <a:fillRef idx="1">
+            <a:schemeClr val="accent1"/>
+          </a:fillRef>
+          <a:effectRef idx="0">
+            <a:schemeClr val="accent1"/>
+          </a:effectRef>
+          <a:fontRef idx="minor">
+            <a:schemeClr val="lt1"/>
+          </a:fontRef>
+        </p:style>
+        <p:txBody>
+          <a:bodyPr rtlCol="0" anchor="ctr"/>
+          <a:lstStyle/>
+          <a:p>
+            <a:pPr algn="ctr"/>
+            <a:endParaRPr lang="zh-CN" altLang="en-US">
+              <a:solidFill>
+                <a:prstClr val="white"/>
+              </a:solidFill>
+            </a:endParaRPr>
+          </a:p>
+        </p:txBody>
+      </p:sp>
+      <p:sp>
+        <p:nvSpPr>
+          <p:cNvPr id="8" name="矩形 7"/>
+          <p:cNvSpPr/>
+          <p:nvPr/>
+        </p:nvSpPr>
+        <p:spPr>
+          <a:xfrm>
+            <a:off x="0" y="0"/>
+            <a:ext cx="12191999" cy="623887"/>
+          </a:xfrm>
+          <a:prstGeom prst="rect">
+            <a:avLst/>
+          </a:prstGeom>
+          <a:blipFill dpi="0" rotWithShape="1">
+            <a:blip r:embed="rId2"/>
+            <a:srcRect/>
+            <a:tile tx="0" ty="0" sx="100000" sy="100000" flip="none" algn="tl"/>
+          </a:blipFill>
+          <a:ln>
+            <a:noFill/>
+          </a:ln>
+        </p:spPr>
+        <p:style>
+          <a:lnRef idx="2">
+            <a:schemeClr val="accent1">
+              <a:shade val="50000"/>
+            </a:schemeClr>
+          </a:lnRef>
+          <a:fillRef idx="1">
+            <a:schemeClr val="accent1"/>
+          </a:fillRef>
+          <a:effectRef idx="0">
+            <a:schemeClr val="accent1"/>
+          </a:effectRef>
+          <a:fontRef idx="minor">
+            <a:schemeClr val="lt1"/>
+          </a:fontRef>
+        </p:style>
+        <p:txBody>
+          <a:bodyPr rtlCol="0" anchor="ctr"/>
+          <a:lstStyle/>
+          <a:p>
+            <a:pPr algn="ctr"/>
+            <a:endParaRPr lang="zh-CN" altLang="en-US">
+              <a:solidFill>
+                <a:prstClr val="white"/>
+              </a:solidFill>
+            </a:endParaRPr>
+          </a:p>
+        </p:txBody>
+      </p:sp>
+      <p:sp>
+        <p:nvSpPr>
+          <p:cNvPr id="4" name="文本框 3"/>
+          <p:cNvSpPr txBox="1"/>
+          <p:nvPr/>
+        </p:nvSpPr>
+        <p:spPr>
+          <a:xfrm>
+            <a:off x="242165" y="735587"/>
+            <a:ext cx="952500" cy="337185"/>
+          </a:xfrm>
+          <a:prstGeom prst="rect">
+            <a:avLst/>
+          </a:prstGeom>
+          <a:noFill/>
+        </p:spPr>
+        <p:txBody>
+          <a:bodyPr wrap="none" rtlCol="0">
+            <a:spAutoFit/>
+          </a:bodyPr>
+          <a:lstStyle/>
+          <a:p>
+            <a:r>
+              <a:rPr lang="en-US" altLang="zh-CN" sz="1600" dirty="0">
+                <a:solidFill>
+                  <a:prstClr val="black">
+                    <a:lumMod val="75000"/>
+                    <a:lumOff val="25000"/>
+                  </a:prstClr>
+                </a:solidFill>
+                <a:latin typeface="微软雅黑" panose="020B0503020204020204" pitchFamily="34" charset="-122"/>
+                <a:ea typeface="微软雅黑" panose="020B0503020204020204" pitchFamily="34" charset="-122"/>
+              </a:rPr>
+              <a:t>Transfer</a:t>
+            </a:r>
+            <a:endParaRPr lang="en-US" altLang="zh-CN" sz="1600" dirty="0">
+              <a:solidFill>
+                <a:prstClr val="black">
+                  <a:lumMod val="75000"/>
+                  <a:lumOff val="25000"/>
+                </a:prstClr>
+              </a:solidFill>
+              <a:latin typeface="微软雅黑" panose="020B0503020204020204" pitchFamily="34" charset="-122"/>
+              <a:ea typeface="微软雅黑" panose="020B0503020204020204" pitchFamily="34" charset="-122"/>
+            </a:endParaRPr>
+          </a:p>
+        </p:txBody>
+      </p:sp>
+      <p:sp>
+        <p:nvSpPr>
+          <p:cNvPr id="7" name="文本框 6"/>
+          <p:cNvSpPr txBox="1"/>
+          <p:nvPr/>
+        </p:nvSpPr>
+        <p:spPr>
+          <a:xfrm>
+            <a:off x="182880" y="131445"/>
+            <a:ext cx="2168525" cy="460375"/>
+          </a:xfrm>
+          <a:prstGeom prst="rect">
+            <a:avLst/>
+          </a:prstGeom>
+          <a:noFill/>
+        </p:spPr>
+        <p:txBody>
+          <a:bodyPr wrap="square" rtlCol="0">
+            <a:spAutoFit/>
+          </a:bodyPr>
+          <a:p>
+            <a:r>
+              <a:rPr lang="en-US" altLang="zh-CN" sz="2400">
+                <a:solidFill>
+                  <a:schemeClr val="bg1"/>
+                </a:solidFill>
+              </a:rPr>
+              <a:t>Session IV</a:t>
+            </a:r>
+            <a:endParaRPr lang="en-US" altLang="zh-CN">
+              <a:solidFill>
+                <a:schemeClr val="bg1"/>
+              </a:solidFill>
+            </a:endParaRPr>
+          </a:p>
+        </p:txBody>
+      </p:sp>
+      <p:sp>
+        <p:nvSpPr>
+          <p:cNvPr id="12" name="文本框 11"/>
+          <p:cNvSpPr txBox="1"/>
+          <p:nvPr/>
+        </p:nvSpPr>
+        <p:spPr>
+          <a:xfrm>
+            <a:off x="501650" y="1471295"/>
+            <a:ext cx="8186420" cy="1753235"/>
+          </a:xfrm>
+          <a:prstGeom prst="rect">
+            <a:avLst/>
+          </a:prstGeom>
+          <a:noFill/>
+        </p:spPr>
+        <p:txBody>
+          <a:bodyPr wrap="square" rtlCol="0">
+            <a:spAutoFit/>
+          </a:bodyPr>
+          <a:p>
+            <a:r>
+              <a:rPr lang="en-US" altLang="zh-CN" b="1"/>
+              <a:t>Key Point 2:</a:t>
+            </a:r>
+            <a:endParaRPr lang="en-US" altLang="zh-CN" b="1"/>
+          </a:p>
+          <a:p>
+            <a:r>
+              <a:rPr lang="en-US" altLang="zh-CN"/>
+              <a:t>How to move and rotate the object.</a:t>
+            </a:r>
+            <a:endParaRPr lang="en-US" altLang="zh-CN"/>
+          </a:p>
+          <a:p>
+            <a:endParaRPr lang="en-US" altLang="zh-CN"/>
+          </a:p>
+          <a:p>
+            <a:r>
+              <a:rPr lang="en-US" altLang="zh-CN"/>
+              <a:t>Move:</a:t>
+            </a:r>
+            <a:endParaRPr lang="en-US" altLang="zh-CN"/>
+          </a:p>
+          <a:p>
+            <a:r>
+              <a:rPr lang="en-US" altLang="zh-CN"/>
+              <a:t>Move an object by vector (vx, vy, vz) means move every point in the object with the vector. =&gt; (x + vx, y + vy, z + vz).</a:t>
+            </a:r>
+            <a:endParaRPr lang="en-US" altLang="zh-CN"/>
+          </a:p>
+        </p:txBody>
+      </p:sp>
+      <p:sp>
+        <p:nvSpPr>
+          <p:cNvPr id="5" name="立方体 4"/>
+          <p:cNvSpPr/>
+          <p:nvPr/>
+        </p:nvSpPr>
+        <p:spPr>
+          <a:xfrm>
+            <a:off x="2226310" y="4940935"/>
+            <a:ext cx="792480" cy="864235"/>
+          </a:xfrm>
+          <a:prstGeom prst="cube">
+            <a:avLst/>
+          </a:prstGeom>
+        </p:spPr>
+        <p:style>
+          <a:lnRef idx="2">
+            <a:schemeClr val="accent1">
+              <a:shade val="50000"/>
+            </a:schemeClr>
+          </a:lnRef>
+          <a:fillRef idx="1">
+            <a:schemeClr val="accent1"/>
+          </a:fillRef>
+          <a:effectRef idx="0">
+            <a:schemeClr val="accent1"/>
+          </a:effectRef>
+          <a:fontRef idx="minor">
+            <a:schemeClr val="lt1"/>
+          </a:fontRef>
+        </p:style>
+        <p:txBody>
+          <a:bodyPr rtlCol="0" anchor="ctr"/>
+          <a:p>
+            <a:pPr algn="ctr"/>
+            <a:endParaRPr lang="zh-CN" altLang="en-US"/>
+          </a:p>
+        </p:txBody>
+      </p:sp>
+      <p:cxnSp>
+        <p:nvCxnSpPr>
+          <p:cNvPr id="6" name="直接箭头连接符 5"/>
+          <p:cNvCxnSpPr/>
+          <p:nvPr/>
+        </p:nvCxnSpPr>
+        <p:spPr>
+          <a:xfrm flipV="1">
+            <a:off x="911225" y="3789045"/>
+            <a:ext cx="0" cy="2808605"/>
+          </a:xfrm>
+          <a:prstGeom prst="straightConnector1">
+            <a:avLst/>
+          </a:prstGeom>
+          <a:ln>
+            <a:tailEnd type="arrow"/>
+          </a:ln>
+        </p:spPr>
+        <p:style>
+          <a:lnRef idx="1">
+            <a:schemeClr val="accent1"/>
+          </a:lnRef>
+          <a:fillRef idx="0">
+            <a:schemeClr val="accent1"/>
+          </a:fillRef>
+          <a:effectRef idx="0">
+            <a:schemeClr val="accent1"/>
+          </a:effectRef>
+          <a:fontRef idx="minor">
+            <a:schemeClr val="tx1"/>
+          </a:fontRef>
+        </p:style>
+      </p:cxnSp>
+      <p:cxnSp>
+        <p:nvCxnSpPr>
+          <p:cNvPr id="9" name="直接箭头连接符 8"/>
+          <p:cNvCxnSpPr/>
+          <p:nvPr/>
+        </p:nvCxnSpPr>
+        <p:spPr>
+          <a:xfrm>
+            <a:off x="908050" y="6597650"/>
+            <a:ext cx="4539615" cy="0"/>
+          </a:xfrm>
+          <a:prstGeom prst="straightConnector1">
+            <a:avLst/>
+          </a:prstGeom>
+          <a:ln>
+            <a:tailEnd type="arrow"/>
+          </a:ln>
+        </p:spPr>
+        <p:style>
+          <a:lnRef idx="1">
+            <a:schemeClr val="accent1"/>
+          </a:lnRef>
+          <a:fillRef idx="0">
+            <a:schemeClr val="accent1"/>
+          </a:fillRef>
+          <a:effectRef idx="0">
+            <a:schemeClr val="accent1"/>
+          </a:effectRef>
+          <a:fontRef idx="minor">
+            <a:schemeClr val="tx1"/>
+          </a:fontRef>
+        </p:style>
+      </p:cxnSp>
+      <p:cxnSp>
+        <p:nvCxnSpPr>
+          <p:cNvPr id="10" name="直接箭头连接符 9"/>
+          <p:cNvCxnSpPr/>
+          <p:nvPr/>
+        </p:nvCxnSpPr>
+        <p:spPr>
+          <a:xfrm flipV="1">
+            <a:off x="911225" y="4580890"/>
+            <a:ext cx="1511935" cy="2016760"/>
+          </a:xfrm>
+          <a:prstGeom prst="straightConnector1">
+            <a:avLst/>
+          </a:prstGeom>
+          <a:ln>
+            <a:tailEnd type="arrow"/>
+          </a:ln>
+        </p:spPr>
+        <p:style>
+          <a:lnRef idx="1">
+            <a:schemeClr val="accent1"/>
+          </a:lnRef>
+          <a:fillRef idx="0">
+            <a:schemeClr val="accent1"/>
+          </a:fillRef>
+          <a:effectRef idx="0">
+            <a:schemeClr val="accent1"/>
+          </a:effectRef>
+          <a:fontRef idx="minor">
+            <a:schemeClr val="tx1"/>
+          </a:fontRef>
+        </p:style>
+      </p:cxnSp>
+      <p:cxnSp>
+        <p:nvCxnSpPr>
+          <p:cNvPr id="11" name="直接箭头连接符 10"/>
+          <p:cNvCxnSpPr/>
+          <p:nvPr/>
+        </p:nvCxnSpPr>
+        <p:spPr>
+          <a:xfrm flipV="1">
+            <a:off x="2423795" y="4293235"/>
+            <a:ext cx="1799590" cy="647700"/>
+          </a:xfrm>
+          <a:prstGeom prst="straightConnector1">
+            <a:avLst/>
+          </a:prstGeom>
+          <a:ln>
+            <a:tailEnd type="arrow"/>
+          </a:ln>
+        </p:spPr>
+        <p:style>
+          <a:lnRef idx="1">
+            <a:schemeClr val="accent1"/>
+          </a:lnRef>
+          <a:fillRef idx="0">
+            <a:schemeClr val="accent1"/>
+          </a:fillRef>
+          <a:effectRef idx="0">
+            <a:schemeClr val="accent1"/>
+          </a:effectRef>
+          <a:fontRef idx="minor">
+            <a:schemeClr val="tx1"/>
+          </a:fontRef>
+        </p:style>
+      </p:cxnSp>
+      <p:sp>
+        <p:nvSpPr>
+          <p:cNvPr id="13" name="立方体 12"/>
+          <p:cNvSpPr/>
+          <p:nvPr/>
+        </p:nvSpPr>
+        <p:spPr>
+          <a:xfrm>
+            <a:off x="4017010" y="4293235"/>
+            <a:ext cx="792480" cy="864235"/>
+          </a:xfrm>
+          <a:prstGeom prst="cube">
+            <a:avLst/>
+          </a:prstGeom>
+        </p:spPr>
+        <p:style>
+          <a:lnRef idx="2">
+            <a:schemeClr val="accent1">
+              <a:shade val="50000"/>
+            </a:schemeClr>
+          </a:lnRef>
+          <a:fillRef idx="1">
+            <a:schemeClr val="accent1"/>
+          </a:fillRef>
+          <a:effectRef idx="0">
+            <a:schemeClr val="accent1"/>
+          </a:effectRef>
+          <a:fontRef idx="minor">
+            <a:schemeClr val="lt1"/>
+          </a:fontRef>
+        </p:style>
+        <p:txBody>
+          <a:bodyPr rtlCol="0" anchor="ctr"/>
+          <a:p>
+            <a:pPr algn="ctr"/>
+            <a:endParaRPr lang="zh-CN" altLang="en-US"/>
+          </a:p>
+        </p:txBody>
+      </p:sp>
+      <p:sp>
+        <p:nvSpPr>
+          <p:cNvPr id="14" name="文本框 13"/>
+          <p:cNvSpPr txBox="1"/>
+          <p:nvPr/>
+        </p:nvSpPr>
+        <p:spPr>
+          <a:xfrm>
+            <a:off x="2660015" y="4159250"/>
+            <a:ext cx="1167130" cy="368300"/>
+          </a:xfrm>
+          <a:prstGeom prst="rect">
+            <a:avLst/>
+          </a:prstGeom>
+          <a:noFill/>
+        </p:spPr>
+        <p:txBody>
+          <a:bodyPr wrap="square" rtlCol="0">
+            <a:spAutoFit/>
+          </a:bodyPr>
+          <a:p>
+            <a:r>
+              <a:rPr lang="en-US" altLang="zh-CN">
+                <a:sym typeface="+mn-ea"/>
+              </a:rPr>
+              <a:t>(vx, vy, vz)</a:t>
+            </a:r>
+            <a:endParaRPr lang="zh-CN" altLang="en-US"/>
+          </a:p>
+        </p:txBody>
+      </p:sp>
+      <p:sp>
+        <p:nvSpPr>
+          <p:cNvPr id="15" name="文本框 14"/>
+          <p:cNvSpPr txBox="1"/>
+          <p:nvPr/>
+        </p:nvSpPr>
+        <p:spPr>
+          <a:xfrm>
+            <a:off x="975360" y="3750945"/>
+            <a:ext cx="440055" cy="368300"/>
+          </a:xfrm>
+          <a:prstGeom prst="rect">
+            <a:avLst/>
+          </a:prstGeom>
+          <a:noFill/>
+        </p:spPr>
+        <p:txBody>
+          <a:bodyPr wrap="square" rtlCol="0">
+            <a:spAutoFit/>
+          </a:bodyPr>
+          <a:p>
+            <a:r>
+              <a:rPr lang="en-US" altLang="zh-CN"/>
+              <a:t>z</a:t>
+            </a:r>
+            <a:endParaRPr lang="en-US" altLang="zh-CN"/>
+          </a:p>
+        </p:txBody>
+      </p:sp>
+      <p:sp>
+        <p:nvSpPr>
+          <p:cNvPr id="16" name="文本框 15"/>
+          <p:cNvSpPr txBox="1"/>
+          <p:nvPr/>
+        </p:nvSpPr>
+        <p:spPr>
+          <a:xfrm>
+            <a:off x="2057400" y="4322445"/>
+            <a:ext cx="222250" cy="368300"/>
+          </a:xfrm>
+          <a:prstGeom prst="rect">
+            <a:avLst/>
+          </a:prstGeom>
+          <a:noFill/>
+        </p:spPr>
+        <p:txBody>
+          <a:bodyPr wrap="square" rtlCol="0">
+            <a:spAutoFit/>
+          </a:bodyPr>
+          <a:p>
+            <a:r>
+              <a:rPr lang="en-US" altLang="zh-CN"/>
+              <a:t>y</a:t>
+            </a:r>
+            <a:endParaRPr lang="en-US" altLang="zh-CN"/>
+          </a:p>
+        </p:txBody>
+      </p:sp>
+      <p:sp>
+        <p:nvSpPr>
+          <p:cNvPr id="17" name="文本框 16"/>
+          <p:cNvSpPr txBox="1"/>
+          <p:nvPr/>
+        </p:nvSpPr>
+        <p:spPr>
+          <a:xfrm>
+            <a:off x="5116830" y="6229350"/>
+            <a:ext cx="330835" cy="368300"/>
+          </a:xfrm>
+          <a:prstGeom prst="rect">
+            <a:avLst/>
+          </a:prstGeom>
+          <a:noFill/>
+        </p:spPr>
+        <p:txBody>
+          <a:bodyPr wrap="square" rtlCol="0">
+            <a:spAutoFit/>
+          </a:bodyPr>
+          <a:p>
+            <a:r>
+              <a:rPr lang="en-US" altLang="zh-CN"/>
+              <a:t>x</a:t>
+            </a:r>
+            <a:endParaRPr lang="en-US" altLang="zh-CN"/>
+          </a:p>
+        </p:txBody>
+      </p:sp>
+    </p:spTree>
+  </p:cSld>
+  <p:clrMapOvr>
+    <a:masterClrMapping/>
+  </p:clrMapOvr>
+  <mc:AlternateContent xmlns:mc="http://schemas.openxmlformats.org/markup-compatibility/2006">
+    <mc:Choice xmlns:p14="http://schemas.microsoft.com/office/powerpoint/2010/main" Requires="p14">
+      <p:transition p14:dur="250">
+        <p:fade/>
+      </p:transition>
+    </mc:Choice>
+    <mc:Fallback>
+      <p:transition>
+        <p:fade/>
+      </p:transition>
+    </mc:Fallback>
+  </mc:AlternateContent>
+  <p:timing>
+    <p:tnLst>
+      <p:par>
+        <p:cTn id="1" dur="indefinite" restart="never" nodeType="tmRoot"/>
+      </p:par>
+    </p:tnLst>
+  </p:timing>
+</p:sld>
+</file>
+
+<file path=ppt/slides/slide12.xml><?xml version="1.0" encoding="utf-8"?>
+<p:sld xmlns:a="http://schemas.openxmlformats.org/drawingml/2006/main" xmlns:r="http://schemas.openxmlformats.org/officeDocument/2006/relationships" xmlns:p="http://schemas.openxmlformats.org/presentationml/2006/main">
+  <p:cSld>
+    <p:spTree>
+      <p:nvGrpSpPr>
+        <p:cNvPr id="1" name=""/>
+        <p:cNvGrpSpPr/>
+        <p:nvPr/>
+      </p:nvGrpSpPr>
+      <p:grpSpPr>
+        <a:xfrm>
+          <a:off x="0" y="0"/>
+          <a:ext cx="0" cy="0"/>
+          <a:chOff x="0" y="0"/>
+          <a:chExt cx="0" cy="0"/>
+        </a:xfrm>
+      </p:grpSpPr>
+      <p:sp>
+        <p:nvSpPr>
+          <p:cNvPr id="3" name="矩形 2"/>
+          <p:cNvSpPr/>
+          <p:nvPr/>
+        </p:nvSpPr>
+        <p:spPr>
+          <a:xfrm>
+            <a:off x="0" y="131445"/>
+            <a:ext cx="12192000" cy="6858000"/>
+          </a:xfrm>
+          <a:prstGeom prst="rect">
+            <a:avLst/>
+          </a:prstGeom>
+          <a:blipFill dpi="0" rotWithShape="1">
+            <a:blip r:embed="rId1"/>
+            <a:srcRect/>
+            <a:tile tx="0" ty="0" sx="100000" sy="100000" flip="none" algn="tl"/>
+          </a:blipFill>
+          <a:ln>
+            <a:noFill/>
+          </a:ln>
+        </p:spPr>
+        <p:style>
+          <a:lnRef idx="2">
+            <a:schemeClr val="accent1">
+              <a:shade val="50000"/>
+            </a:schemeClr>
+          </a:lnRef>
+          <a:fillRef idx="1">
+            <a:schemeClr val="accent1"/>
+          </a:fillRef>
+          <a:effectRef idx="0">
+            <a:schemeClr val="accent1"/>
+          </a:effectRef>
+          <a:fontRef idx="minor">
+            <a:schemeClr val="lt1"/>
+          </a:fontRef>
+        </p:style>
+        <p:txBody>
+          <a:bodyPr rtlCol="0" anchor="ctr"/>
+          <a:lstStyle/>
+          <a:p>
+            <a:pPr algn="ctr"/>
+            <a:endParaRPr lang="zh-CN" altLang="en-US">
+              <a:solidFill>
+                <a:prstClr val="white"/>
+              </a:solidFill>
+              <a:latin typeface="Arial" panose="020B0604020202020204" pitchFamily="34" charset="0"/>
+            </a:endParaRPr>
+          </a:p>
+        </p:txBody>
+      </p:sp>
+      <p:sp>
+        <p:nvSpPr>
+          <p:cNvPr id="2" name="矩形 1"/>
+          <p:cNvSpPr/>
+          <p:nvPr/>
+        </p:nvSpPr>
+        <p:spPr>
+          <a:xfrm>
+            <a:off x="0" y="623888"/>
+            <a:ext cx="12192000" cy="547688"/>
+          </a:xfrm>
+          <a:prstGeom prst="rect">
+            <a:avLst/>
+          </a:prstGeom>
+          <a:solidFill>
+            <a:schemeClr val="bg1">
+              <a:lumMod val="85000"/>
+            </a:schemeClr>
+          </a:solidFill>
+          <a:ln>
+            <a:noFill/>
+          </a:ln>
+        </p:spPr>
+        <p:style>
+          <a:lnRef idx="2">
+            <a:schemeClr val="accent1">
+              <a:shade val="50000"/>
+            </a:schemeClr>
+          </a:lnRef>
+          <a:fillRef idx="1">
+            <a:schemeClr val="accent1"/>
+          </a:fillRef>
+          <a:effectRef idx="0">
+            <a:schemeClr val="accent1"/>
+          </a:effectRef>
+          <a:fontRef idx="minor">
+            <a:schemeClr val="lt1"/>
+          </a:fontRef>
+        </p:style>
+        <p:txBody>
+          <a:bodyPr rtlCol="0" anchor="ctr"/>
+          <a:lstStyle/>
+          <a:p>
+            <a:pPr algn="ctr"/>
+            <a:endParaRPr lang="zh-CN" altLang="en-US">
+              <a:solidFill>
+                <a:prstClr val="white"/>
+              </a:solidFill>
+            </a:endParaRPr>
+          </a:p>
+        </p:txBody>
+      </p:sp>
+      <p:sp>
+        <p:nvSpPr>
+          <p:cNvPr id="8" name="矩形 7"/>
+          <p:cNvSpPr/>
+          <p:nvPr/>
+        </p:nvSpPr>
+        <p:spPr>
+          <a:xfrm>
+            <a:off x="0" y="0"/>
+            <a:ext cx="12191999" cy="623887"/>
+          </a:xfrm>
+          <a:prstGeom prst="rect">
+            <a:avLst/>
+          </a:prstGeom>
+          <a:blipFill dpi="0" rotWithShape="1">
+            <a:blip r:embed="rId2"/>
+            <a:srcRect/>
+            <a:tile tx="0" ty="0" sx="100000" sy="100000" flip="none" algn="tl"/>
+          </a:blipFill>
+          <a:ln>
+            <a:noFill/>
+          </a:ln>
+        </p:spPr>
+        <p:style>
+          <a:lnRef idx="2">
+            <a:schemeClr val="accent1">
+              <a:shade val="50000"/>
+            </a:schemeClr>
+          </a:lnRef>
+          <a:fillRef idx="1">
+            <a:schemeClr val="accent1"/>
+          </a:fillRef>
+          <a:effectRef idx="0">
+            <a:schemeClr val="accent1"/>
+          </a:effectRef>
+          <a:fontRef idx="minor">
+            <a:schemeClr val="lt1"/>
+          </a:fontRef>
+        </p:style>
+        <p:txBody>
+          <a:bodyPr rtlCol="0" anchor="ctr"/>
+          <a:lstStyle/>
+          <a:p>
+            <a:pPr algn="ctr"/>
+            <a:endParaRPr lang="zh-CN" altLang="en-US">
+              <a:solidFill>
+                <a:prstClr val="white"/>
+              </a:solidFill>
+            </a:endParaRPr>
+          </a:p>
+        </p:txBody>
+      </p:sp>
+      <p:sp>
+        <p:nvSpPr>
+          <p:cNvPr id="4" name="文本框 3"/>
+          <p:cNvSpPr txBox="1"/>
+          <p:nvPr/>
+        </p:nvSpPr>
+        <p:spPr>
+          <a:xfrm>
+            <a:off x="242165" y="735587"/>
+            <a:ext cx="952500" cy="337185"/>
+          </a:xfrm>
+          <a:prstGeom prst="rect">
+            <a:avLst/>
+          </a:prstGeom>
+          <a:noFill/>
+        </p:spPr>
+        <p:txBody>
+          <a:bodyPr wrap="none" rtlCol="0">
+            <a:spAutoFit/>
+          </a:bodyPr>
+          <a:lstStyle/>
+          <a:p>
+            <a:r>
+              <a:rPr lang="en-US" altLang="zh-CN" sz="1600" dirty="0">
+                <a:solidFill>
+                  <a:prstClr val="black">
+                    <a:lumMod val="75000"/>
+                    <a:lumOff val="25000"/>
+                  </a:prstClr>
+                </a:solidFill>
+                <a:latin typeface="微软雅黑" panose="020B0503020204020204" pitchFamily="34" charset="-122"/>
+                <a:ea typeface="微软雅黑" panose="020B0503020204020204" pitchFamily="34" charset="-122"/>
+              </a:rPr>
+              <a:t>Transfer</a:t>
+            </a:r>
+            <a:endParaRPr lang="en-US" altLang="zh-CN" sz="1600" dirty="0">
+              <a:solidFill>
+                <a:prstClr val="black">
+                  <a:lumMod val="75000"/>
+                  <a:lumOff val="25000"/>
+                </a:prstClr>
+              </a:solidFill>
+              <a:latin typeface="微软雅黑" panose="020B0503020204020204" pitchFamily="34" charset="-122"/>
+              <a:ea typeface="微软雅黑" panose="020B0503020204020204" pitchFamily="34" charset="-122"/>
+            </a:endParaRPr>
+          </a:p>
+        </p:txBody>
+      </p:sp>
+      <p:sp>
+        <p:nvSpPr>
+          <p:cNvPr id="7" name="文本框 6"/>
+          <p:cNvSpPr txBox="1"/>
+          <p:nvPr/>
+        </p:nvSpPr>
+        <p:spPr>
+          <a:xfrm>
+            <a:off x="182880" y="131445"/>
+            <a:ext cx="2168525" cy="460375"/>
+          </a:xfrm>
+          <a:prstGeom prst="rect">
+            <a:avLst/>
+          </a:prstGeom>
+          <a:noFill/>
+        </p:spPr>
+        <p:txBody>
+          <a:bodyPr wrap="square" rtlCol="0">
+            <a:spAutoFit/>
+          </a:bodyPr>
+          <a:p>
+            <a:r>
+              <a:rPr lang="en-US" altLang="zh-CN" sz="2400">
+                <a:solidFill>
+                  <a:schemeClr val="bg1"/>
+                </a:solidFill>
+              </a:rPr>
+              <a:t>Session IV</a:t>
+            </a:r>
+            <a:endParaRPr lang="en-US" altLang="zh-CN">
+              <a:solidFill>
+                <a:schemeClr val="bg1"/>
+              </a:solidFill>
+            </a:endParaRPr>
+          </a:p>
+        </p:txBody>
+      </p:sp>
+      <p:sp>
+        <p:nvSpPr>
+          <p:cNvPr id="12" name="文本框 11"/>
+          <p:cNvSpPr txBox="1"/>
+          <p:nvPr/>
+        </p:nvSpPr>
+        <p:spPr>
+          <a:xfrm>
+            <a:off x="497840" y="1449070"/>
+            <a:ext cx="8186420" cy="1753235"/>
+          </a:xfrm>
+          <a:prstGeom prst="rect">
+            <a:avLst/>
+          </a:prstGeom>
+          <a:noFill/>
+        </p:spPr>
+        <p:txBody>
+          <a:bodyPr wrap="square" rtlCol="0">
+            <a:spAutoFit/>
+          </a:bodyPr>
+          <a:p>
+            <a:r>
+              <a:rPr lang="en-US" altLang="zh-CN" b="1"/>
+              <a:t>Key Point 2:</a:t>
+            </a:r>
+            <a:endParaRPr lang="en-US" altLang="zh-CN" b="1"/>
+          </a:p>
+          <a:p>
+            <a:r>
+              <a:rPr lang="en-US" altLang="zh-CN"/>
+              <a:t>How to move and rotate the object.</a:t>
+            </a:r>
+            <a:endParaRPr lang="en-US" altLang="zh-CN"/>
+          </a:p>
+          <a:p>
+            <a:endParaRPr lang="en-US" altLang="zh-CN"/>
+          </a:p>
+          <a:p>
+            <a:r>
+              <a:rPr lang="en-US" altLang="zh-CN"/>
+              <a:t>Rotate:</a:t>
+            </a:r>
+            <a:endParaRPr lang="en-US" altLang="zh-CN"/>
+          </a:p>
+          <a:p>
+            <a:r>
+              <a:rPr lang="en-US" altLang="zh-CN"/>
+              <a:t>Rotate an object around y axis:</a:t>
+            </a:r>
+            <a:endParaRPr lang="en-US" altLang="zh-CN"/>
+          </a:p>
+          <a:p>
+            <a:endParaRPr lang="en-US" altLang="zh-CN"/>
+          </a:p>
+        </p:txBody>
+      </p:sp>
+      <p:sp>
+        <p:nvSpPr>
+          <p:cNvPr id="5" name="立方体 4"/>
+          <p:cNvSpPr/>
+          <p:nvPr/>
+        </p:nvSpPr>
+        <p:spPr>
+          <a:xfrm>
+            <a:off x="2226310" y="4940935"/>
+            <a:ext cx="792480" cy="864235"/>
+          </a:xfrm>
+          <a:prstGeom prst="cube">
+            <a:avLst/>
+          </a:prstGeom>
+        </p:spPr>
+        <p:style>
+          <a:lnRef idx="2">
+            <a:schemeClr val="accent1">
+              <a:shade val="50000"/>
+            </a:schemeClr>
+          </a:lnRef>
+          <a:fillRef idx="1">
+            <a:schemeClr val="accent1"/>
+          </a:fillRef>
+          <a:effectRef idx="0">
+            <a:schemeClr val="accent1"/>
+          </a:effectRef>
+          <a:fontRef idx="minor">
+            <a:schemeClr val="lt1"/>
+          </a:fontRef>
+        </p:style>
+        <p:txBody>
+          <a:bodyPr rtlCol="0" anchor="ctr"/>
+          <a:p>
+            <a:pPr algn="ctr"/>
+            <a:endParaRPr lang="zh-CN" altLang="en-US"/>
+          </a:p>
+        </p:txBody>
+      </p:sp>
+      <p:cxnSp>
+        <p:nvCxnSpPr>
+          <p:cNvPr id="6" name="直接箭头连接符 5"/>
+          <p:cNvCxnSpPr/>
+          <p:nvPr/>
+        </p:nvCxnSpPr>
+        <p:spPr>
+          <a:xfrm flipV="1">
+            <a:off x="911225" y="3789045"/>
+            <a:ext cx="0" cy="2808605"/>
+          </a:xfrm>
+          <a:prstGeom prst="straightConnector1">
+            <a:avLst/>
+          </a:prstGeom>
+          <a:ln>
+            <a:tailEnd type="arrow"/>
+          </a:ln>
+        </p:spPr>
+        <p:style>
+          <a:lnRef idx="1">
+            <a:schemeClr val="accent1"/>
+          </a:lnRef>
+          <a:fillRef idx="0">
+            <a:schemeClr val="accent1"/>
+          </a:fillRef>
+          <a:effectRef idx="0">
+            <a:schemeClr val="accent1"/>
+          </a:effectRef>
+          <a:fontRef idx="minor">
+            <a:schemeClr val="tx1"/>
+          </a:fontRef>
+        </p:style>
+      </p:cxnSp>
+      <p:cxnSp>
+        <p:nvCxnSpPr>
+          <p:cNvPr id="9" name="直接箭头连接符 8"/>
+          <p:cNvCxnSpPr/>
+          <p:nvPr/>
+        </p:nvCxnSpPr>
+        <p:spPr>
+          <a:xfrm>
+            <a:off x="908050" y="6597650"/>
+            <a:ext cx="2595880" cy="0"/>
+          </a:xfrm>
+          <a:prstGeom prst="straightConnector1">
+            <a:avLst/>
+          </a:prstGeom>
+          <a:ln>
+            <a:tailEnd type="arrow"/>
+          </a:ln>
+        </p:spPr>
+        <p:style>
+          <a:lnRef idx="1">
+            <a:schemeClr val="accent1"/>
+          </a:lnRef>
+          <a:fillRef idx="0">
+            <a:schemeClr val="accent1"/>
+          </a:fillRef>
+          <a:effectRef idx="0">
+            <a:schemeClr val="accent1"/>
+          </a:effectRef>
+          <a:fontRef idx="minor">
+            <a:schemeClr val="tx1"/>
+          </a:fontRef>
+        </p:style>
+      </p:cxnSp>
+      <p:cxnSp>
+        <p:nvCxnSpPr>
+          <p:cNvPr id="10" name="直接箭头连接符 9"/>
+          <p:cNvCxnSpPr/>
+          <p:nvPr/>
+        </p:nvCxnSpPr>
+        <p:spPr>
+          <a:xfrm flipV="1">
+            <a:off x="911225" y="4509135"/>
+            <a:ext cx="1512570" cy="2088515"/>
+          </a:xfrm>
+          <a:prstGeom prst="straightConnector1">
+            <a:avLst/>
+          </a:prstGeom>
+          <a:ln>
+            <a:tailEnd type="arrow"/>
+          </a:ln>
+        </p:spPr>
+        <p:style>
+          <a:lnRef idx="1">
+            <a:schemeClr val="accent1"/>
+          </a:lnRef>
+          <a:fillRef idx="0">
+            <a:schemeClr val="accent1"/>
+          </a:fillRef>
+          <a:effectRef idx="0">
+            <a:schemeClr val="accent1"/>
+          </a:effectRef>
+          <a:fontRef idx="minor">
+            <a:schemeClr val="tx1"/>
+          </a:fontRef>
+        </p:style>
+      </p:cxnSp>
+      <p:sp>
+        <p:nvSpPr>
+          <p:cNvPr id="13" name="立方体 12"/>
+          <p:cNvSpPr/>
+          <p:nvPr/>
+        </p:nvSpPr>
+        <p:spPr>
+          <a:xfrm rot="18780000">
+            <a:off x="687705" y="4570730"/>
+            <a:ext cx="792480" cy="864235"/>
+          </a:xfrm>
+          <a:prstGeom prst="cube">
+            <a:avLst>
+              <a:gd name="adj" fmla="val 25000"/>
+            </a:avLst>
+          </a:prstGeom>
+        </p:spPr>
+        <p:style>
+          <a:lnRef idx="2">
+            <a:schemeClr val="accent1">
+              <a:shade val="50000"/>
+            </a:schemeClr>
+          </a:lnRef>
+          <a:fillRef idx="1">
+            <a:schemeClr val="accent1"/>
+          </a:fillRef>
+          <a:effectRef idx="0">
+            <a:schemeClr val="accent1"/>
+          </a:effectRef>
+          <a:fontRef idx="minor">
+            <a:schemeClr val="lt1"/>
+          </a:fontRef>
+        </p:style>
+        <p:txBody>
+          <a:bodyPr rtlCol="0" anchor="ctr"/>
+          <a:p>
+            <a:pPr algn="ctr"/>
+            <a:endParaRPr lang="zh-CN" altLang="en-US"/>
+          </a:p>
+        </p:txBody>
+      </p:sp>
+      <p:sp>
+        <p:nvSpPr>
+          <p:cNvPr id="15" name="文本框 14"/>
+          <p:cNvSpPr txBox="1"/>
+          <p:nvPr/>
+        </p:nvSpPr>
+        <p:spPr>
+          <a:xfrm>
+            <a:off x="975360" y="3750945"/>
+            <a:ext cx="440055" cy="368300"/>
+          </a:xfrm>
+          <a:prstGeom prst="rect">
+            <a:avLst/>
+          </a:prstGeom>
+          <a:noFill/>
+        </p:spPr>
+        <p:txBody>
+          <a:bodyPr wrap="square" rtlCol="0">
+            <a:spAutoFit/>
+          </a:bodyPr>
+          <a:p>
+            <a:r>
+              <a:rPr lang="en-US" altLang="zh-CN"/>
+              <a:t>z</a:t>
+            </a:r>
+            <a:endParaRPr lang="en-US" altLang="zh-CN"/>
+          </a:p>
+        </p:txBody>
+      </p:sp>
+      <p:sp>
+        <p:nvSpPr>
+          <p:cNvPr id="16" name="文本框 15"/>
+          <p:cNvSpPr txBox="1"/>
+          <p:nvPr/>
+        </p:nvSpPr>
+        <p:spPr>
+          <a:xfrm>
+            <a:off x="2057400" y="4322445"/>
+            <a:ext cx="222250" cy="368300"/>
+          </a:xfrm>
+          <a:prstGeom prst="rect">
+            <a:avLst/>
+          </a:prstGeom>
+          <a:noFill/>
+        </p:spPr>
+        <p:txBody>
+          <a:bodyPr wrap="square" rtlCol="0">
+            <a:spAutoFit/>
+          </a:bodyPr>
+          <a:p>
+            <a:r>
+              <a:rPr lang="en-US" altLang="zh-CN"/>
+              <a:t>y</a:t>
+            </a:r>
+            <a:endParaRPr lang="en-US" altLang="zh-CN"/>
+          </a:p>
+        </p:txBody>
+      </p:sp>
+      <p:sp>
+        <p:nvSpPr>
+          <p:cNvPr id="17" name="文本框 16"/>
+          <p:cNvSpPr txBox="1"/>
+          <p:nvPr/>
+        </p:nvSpPr>
+        <p:spPr>
+          <a:xfrm>
+            <a:off x="3088005" y="6172200"/>
+            <a:ext cx="330835" cy="368300"/>
+          </a:xfrm>
+          <a:prstGeom prst="rect">
+            <a:avLst/>
+          </a:prstGeom>
+          <a:noFill/>
+        </p:spPr>
+        <p:txBody>
+          <a:bodyPr wrap="square" rtlCol="0">
+            <a:spAutoFit/>
+          </a:bodyPr>
+          <a:p>
+            <a:r>
+              <a:rPr lang="en-US" altLang="zh-CN"/>
+              <a:t>x</a:t>
+            </a:r>
+            <a:endParaRPr lang="en-US" altLang="zh-CN"/>
+          </a:p>
+        </p:txBody>
+      </p:sp>
+      <p:cxnSp>
+        <p:nvCxnSpPr>
+          <p:cNvPr id="18" name="直接箭头连接符 17"/>
+          <p:cNvCxnSpPr/>
+          <p:nvPr/>
+        </p:nvCxnSpPr>
+        <p:spPr>
+          <a:xfrm>
+            <a:off x="1487805" y="5805170"/>
+            <a:ext cx="720090" cy="0"/>
+          </a:xfrm>
+          <a:prstGeom prst="straightConnector1">
+            <a:avLst/>
+          </a:prstGeom>
+          <a:ln>
+            <a:tailEnd type="arrow"/>
+          </a:ln>
+        </p:spPr>
+        <p:style>
+          <a:lnRef idx="1">
+            <a:schemeClr val="accent1"/>
+          </a:lnRef>
+          <a:fillRef idx="0">
+            <a:schemeClr val="accent1"/>
+          </a:fillRef>
+          <a:effectRef idx="0">
+            <a:schemeClr val="accent1"/>
+          </a:effectRef>
+          <a:fontRef idx="minor">
+            <a:schemeClr val="tx1"/>
+          </a:fontRef>
+        </p:style>
+      </p:cxnSp>
+      <p:cxnSp>
+        <p:nvCxnSpPr>
+          <p:cNvPr id="19" name="直接箭头连接符 18"/>
+          <p:cNvCxnSpPr/>
+          <p:nvPr/>
+        </p:nvCxnSpPr>
+        <p:spPr>
+          <a:xfrm flipH="1" flipV="1">
+            <a:off x="1127760" y="5589270"/>
+            <a:ext cx="360045" cy="215900"/>
+          </a:xfrm>
+          <a:prstGeom prst="straightConnector1">
+            <a:avLst/>
+          </a:prstGeom>
+          <a:ln>
+            <a:tailEnd type="arrow"/>
+          </a:ln>
+        </p:spPr>
+        <p:style>
+          <a:lnRef idx="1">
+            <a:schemeClr val="accent1"/>
+          </a:lnRef>
+          <a:fillRef idx="0">
+            <a:schemeClr val="accent1"/>
+          </a:fillRef>
+          <a:effectRef idx="0">
+            <a:schemeClr val="accent1"/>
+          </a:effectRef>
+          <a:fontRef idx="minor">
+            <a:schemeClr val="tx1"/>
+          </a:fontRef>
+        </p:style>
+      </p:cxnSp>
+      <p:sp>
+        <p:nvSpPr>
+          <p:cNvPr id="20" name="弧形 19"/>
+          <p:cNvSpPr/>
+          <p:nvPr/>
+        </p:nvSpPr>
+        <p:spPr>
+          <a:xfrm>
+            <a:off x="1327785" y="5767070"/>
+            <a:ext cx="215900" cy="75565"/>
+          </a:xfrm>
+          <a:prstGeom prst="arc">
+            <a:avLst/>
+          </a:prstGeom>
+        </p:spPr>
+        <p:style>
+          <a:lnRef idx="1">
+            <a:schemeClr val="accent1"/>
+          </a:lnRef>
+          <a:fillRef idx="0">
+            <a:schemeClr val="accent1"/>
+          </a:fillRef>
+          <a:effectRef idx="0">
+            <a:schemeClr val="accent1"/>
+          </a:effectRef>
+          <a:fontRef idx="minor">
+            <a:schemeClr val="tx1"/>
+          </a:fontRef>
+        </p:style>
+        <p:txBody>
+          <a:bodyPr rtlCol="0" anchor="ctr"/>
+          <a:p>
+            <a:pPr algn="ctr"/>
+            <a:endParaRPr lang="zh-CN" altLang="en-US"/>
+          </a:p>
+        </p:txBody>
+      </p:sp>
+      <p:sp>
+        <p:nvSpPr>
+          <p:cNvPr id="23" name="文本框 22"/>
+          <p:cNvSpPr txBox="1"/>
+          <p:nvPr/>
+        </p:nvSpPr>
+        <p:spPr>
+          <a:xfrm>
+            <a:off x="1367155" y="5494655"/>
+            <a:ext cx="264160" cy="368300"/>
+          </a:xfrm>
+          <a:prstGeom prst="rect">
+            <a:avLst/>
+          </a:prstGeom>
+          <a:noFill/>
+        </p:spPr>
+        <p:txBody>
+          <a:bodyPr wrap="square" rtlCol="0">
+            <a:spAutoFit/>
+          </a:bodyPr>
+          <a:p>
+            <a:r>
+              <a:rPr lang="zh-CN" altLang="en-US">
+                <a:latin typeface="Arial" panose="020B0604020202020204" pitchFamily="34" charset="0"/>
+              </a:rPr>
+              <a:t>θ</a:t>
+            </a:r>
+            <a:endParaRPr lang="zh-CN" altLang="en-US">
+              <a:latin typeface="Arial" panose="020B0604020202020204" pitchFamily="34" charset="0"/>
+            </a:endParaRPr>
+          </a:p>
+        </p:txBody>
+      </p:sp>
+      <p:sp>
+        <p:nvSpPr>
+          <p:cNvPr id="24" name="右箭头 23"/>
+          <p:cNvSpPr/>
+          <p:nvPr/>
+        </p:nvSpPr>
+        <p:spPr>
+          <a:xfrm>
+            <a:off x="4295775" y="4941570"/>
+            <a:ext cx="1224280" cy="431800"/>
+          </a:xfrm>
+          <a:prstGeom prst="rightArrow">
+            <a:avLst/>
+          </a:prstGeom>
+        </p:spPr>
+        <p:style>
+          <a:lnRef idx="2">
+            <a:schemeClr val="accent1">
+              <a:shade val="50000"/>
+            </a:schemeClr>
+          </a:lnRef>
+          <a:fillRef idx="1">
+            <a:schemeClr val="accent1"/>
+          </a:fillRef>
+          <a:effectRef idx="0">
+            <a:schemeClr val="accent1"/>
+          </a:effectRef>
+          <a:fontRef idx="minor">
+            <a:schemeClr val="lt1"/>
+          </a:fontRef>
+        </p:style>
+        <p:txBody>
+          <a:bodyPr rtlCol="0" anchor="ctr"/>
+          <a:p>
+            <a:pPr algn="ctr"/>
+            <a:endParaRPr lang="zh-CN" altLang="en-US"/>
+          </a:p>
+        </p:txBody>
+      </p:sp>
+      <p:graphicFrame>
+        <p:nvGraphicFramePr>
+          <p:cNvPr id="28" name="对象 27"/>
+          <p:cNvGraphicFramePr/>
+          <p:nvPr/>
+        </p:nvGraphicFramePr>
+        <p:xfrm>
+          <a:off x="5723890" y="4023360"/>
+          <a:ext cx="6365240" cy="2268855"/>
+        </p:xfrm>
+        <a:graphic>
+          <a:graphicData uri="http://schemas.openxmlformats.org/presentationml/2006/ole">
+            <mc:AlternateContent xmlns:mc="http://schemas.openxmlformats.org/markup-compatibility/2006">
+              <mc:Choice xmlns:v="urn:schemas-microsoft-com:vml" Requires="v">
+                <p:oleObj spid="_x0000_s29" name="" r:id="rId3" imgW="6007735" imgH="2275840" progId="Equation.KSEE3">
+                  <p:embed/>
+                </p:oleObj>
+              </mc:Choice>
+              <mc:Fallback>
+                <p:oleObj name="" r:id="rId3" imgW="6007735" imgH="2275840" progId="Equation.KSEE3">
+                  <p:embed/>
+                  <p:pic>
+                    <p:nvPicPr>
+                      <p:cNvPr id="0" name="图片 28"/>
+                      <p:cNvPicPr/>
+                      <p:nvPr/>
+                    </p:nvPicPr>
+                    <p:blipFill>
+                      <a:blip r:embed="rId4"/>
+                      <a:stretch>
+                        <a:fillRect/>
+                      </a:stretch>
+                    </p:blipFill>
+                    <p:spPr>
+                      <a:xfrm>
+                        <a:off x="5723890" y="4023360"/>
+                        <a:ext cx="6365240" cy="2268855"/>
+                      </a:xfrm>
+                      <a:prstGeom prst="rect">
+                        <a:avLst/>
+                      </a:prstGeom>
+                    </p:spPr>
+                  </p:pic>
+                </p:oleObj>
+              </mc:Fallback>
+            </mc:AlternateContent>
+          </a:graphicData>
+        </a:graphic>
+      </p:graphicFrame>
+    </p:spTree>
+  </p:cSld>
+  <p:clrMapOvr>
+    <a:masterClrMapping/>
+  </p:clrMapOvr>
+  <mc:AlternateContent xmlns:mc="http://schemas.openxmlformats.org/markup-compatibility/2006">
+    <mc:Choice xmlns:p14="http://schemas.microsoft.com/office/powerpoint/2010/main" Requires="p14">
+      <p:transition p14:dur="250">
+        <p:fade/>
+      </p:transition>
+    </mc:Choice>
+    <mc:Fallback>
+      <p:transition>
+        <p:fade/>
+      </p:transition>
+    </mc:Fallback>
+  </mc:AlternateContent>
+  <p:timing>
+    <p:tnLst>
+      <p:par>
+        <p:cTn id="1" dur="indefinite" restart="never" nodeType="tmRoot"/>
+      </p:par>
+    </p:tnLst>
+  </p:timing>
+</p:sld>
+</file>
+
+<file path=ppt/slides/slide13.xml><?xml version="1.0" encoding="utf-8"?>
+<p:sld xmlns:a="http://schemas.openxmlformats.org/drawingml/2006/main" xmlns:r="http://schemas.openxmlformats.org/officeDocument/2006/relationships" xmlns:p="http://schemas.openxmlformats.org/presentationml/2006/main">
+  <p:cSld>
+    <p:spTree>
+      <p:nvGrpSpPr>
+        <p:cNvPr id="1" name=""/>
+        <p:cNvGrpSpPr/>
+        <p:nvPr/>
+      </p:nvGrpSpPr>
+      <p:grpSpPr>
+        <a:xfrm>
+          <a:off x="0" y="0"/>
+          <a:ext cx="0" cy="0"/>
+          <a:chOff x="0" y="0"/>
+          <a:chExt cx="0" cy="0"/>
+        </a:xfrm>
+      </p:grpSpPr>
+      <p:sp>
+        <p:nvSpPr>
+          <p:cNvPr id="32" name="矩形 31"/>
+          <p:cNvSpPr/>
+          <p:nvPr/>
+        </p:nvSpPr>
+        <p:spPr>
+          <a:xfrm>
+            <a:off x="0" y="131445"/>
+            <a:ext cx="12192000" cy="6858000"/>
+          </a:xfrm>
+          <a:prstGeom prst="rect">
+            <a:avLst/>
+          </a:prstGeom>
+          <a:blipFill dpi="0" rotWithShape="1">
+            <a:blip r:embed="rId1"/>
+            <a:srcRect/>
+            <a:tile tx="0" ty="0" sx="100000" sy="100000" flip="none" algn="tl"/>
+          </a:blipFill>
+          <a:ln>
+            <a:noFill/>
+          </a:ln>
+        </p:spPr>
+        <p:style>
+          <a:lnRef idx="2">
+            <a:schemeClr val="accent1">
+              <a:shade val="50000"/>
+            </a:schemeClr>
+          </a:lnRef>
+          <a:fillRef idx="1">
+            <a:schemeClr val="accent1"/>
+          </a:fillRef>
+          <a:effectRef idx="0">
+            <a:schemeClr val="accent1"/>
+          </a:effectRef>
+          <a:fontRef idx="minor">
+            <a:schemeClr val="lt1"/>
+          </a:fontRef>
+        </p:style>
+        <p:txBody>
+          <a:bodyPr rtlCol="0" anchor="ctr"/>
+          <a:p>
+            <a:pPr algn="ctr"/>
+            <a:endParaRPr lang="zh-CN" altLang="en-US">
+              <a:solidFill>
+                <a:prstClr val="white"/>
+              </a:solidFill>
+              <a:latin typeface="Arial" panose="020B0604020202020204" pitchFamily="34" charset="0"/>
+            </a:endParaRPr>
+          </a:p>
+        </p:txBody>
+      </p:sp>
+      <p:sp>
+        <p:nvSpPr>
+          <p:cNvPr id="2" name="矩形 1"/>
+          <p:cNvSpPr/>
+          <p:nvPr/>
+        </p:nvSpPr>
+        <p:spPr>
+          <a:xfrm>
+            <a:off x="0" y="623888"/>
+            <a:ext cx="12192000" cy="547688"/>
+          </a:xfrm>
+          <a:prstGeom prst="rect">
+            <a:avLst/>
+          </a:prstGeom>
+          <a:solidFill>
+            <a:schemeClr val="bg1">
+              <a:lumMod val="85000"/>
+            </a:schemeClr>
+          </a:solidFill>
+          <a:ln>
+            <a:noFill/>
+          </a:ln>
+        </p:spPr>
+        <p:style>
+          <a:lnRef idx="2">
+            <a:schemeClr val="accent1">
+              <a:shade val="50000"/>
+            </a:schemeClr>
+          </a:lnRef>
+          <a:fillRef idx="1">
+            <a:schemeClr val="accent1"/>
+          </a:fillRef>
+          <a:effectRef idx="0">
+            <a:schemeClr val="accent1"/>
+          </a:effectRef>
+          <a:fontRef idx="minor">
+            <a:schemeClr val="lt1"/>
+          </a:fontRef>
+        </p:style>
+        <p:txBody>
+          <a:bodyPr rtlCol="0" anchor="ctr"/>
+          <a:lstStyle/>
+          <a:p>
+            <a:pPr algn="ctr"/>
+            <a:endParaRPr lang="zh-CN" altLang="en-US">
+              <a:solidFill>
+                <a:prstClr val="white"/>
+              </a:solidFill>
+            </a:endParaRPr>
+          </a:p>
+        </p:txBody>
+      </p:sp>
+      <p:sp>
+        <p:nvSpPr>
+          <p:cNvPr id="8" name="矩形 7"/>
+          <p:cNvSpPr/>
+          <p:nvPr/>
+        </p:nvSpPr>
+        <p:spPr>
+          <a:xfrm>
+            <a:off x="0" y="0"/>
+            <a:ext cx="12191999" cy="623887"/>
+          </a:xfrm>
+          <a:prstGeom prst="rect">
+            <a:avLst/>
+          </a:prstGeom>
+          <a:blipFill dpi="0" rotWithShape="1">
+            <a:blip r:embed="rId2"/>
+            <a:srcRect/>
+            <a:tile tx="0" ty="0" sx="100000" sy="100000" flip="none" algn="tl"/>
+          </a:blipFill>
+          <a:ln>
+            <a:noFill/>
+          </a:ln>
+        </p:spPr>
+        <p:style>
+          <a:lnRef idx="2">
+            <a:schemeClr val="accent1">
+              <a:shade val="50000"/>
+            </a:schemeClr>
+          </a:lnRef>
+          <a:fillRef idx="1">
+            <a:schemeClr val="accent1"/>
+          </a:fillRef>
+          <a:effectRef idx="0">
+            <a:schemeClr val="accent1"/>
+          </a:effectRef>
+          <a:fontRef idx="minor">
+            <a:schemeClr val="lt1"/>
+          </a:fontRef>
+        </p:style>
+        <p:txBody>
+          <a:bodyPr rtlCol="0" anchor="ctr"/>
+          <a:lstStyle/>
+          <a:p>
+            <a:pPr algn="ctr"/>
+            <a:endParaRPr lang="zh-CN" altLang="en-US">
+              <a:solidFill>
+                <a:prstClr val="white"/>
+              </a:solidFill>
+            </a:endParaRPr>
+          </a:p>
+        </p:txBody>
+      </p:sp>
+      <p:sp>
+        <p:nvSpPr>
+          <p:cNvPr id="4" name="文本框 3"/>
+          <p:cNvSpPr txBox="1"/>
+          <p:nvPr/>
+        </p:nvSpPr>
+        <p:spPr>
+          <a:xfrm>
+            <a:off x="242165" y="735587"/>
+            <a:ext cx="952500" cy="337185"/>
+          </a:xfrm>
+          <a:prstGeom prst="rect">
+            <a:avLst/>
+          </a:prstGeom>
+          <a:noFill/>
+        </p:spPr>
+        <p:txBody>
+          <a:bodyPr wrap="none" rtlCol="0">
+            <a:spAutoFit/>
+          </a:bodyPr>
+          <a:lstStyle/>
+          <a:p>
+            <a:r>
+              <a:rPr lang="en-US" altLang="zh-CN" sz="1600" dirty="0">
+                <a:solidFill>
+                  <a:prstClr val="black">
+                    <a:lumMod val="75000"/>
+                    <a:lumOff val="25000"/>
+                  </a:prstClr>
+                </a:solidFill>
+                <a:latin typeface="微软雅黑" panose="020B0503020204020204" pitchFamily="34" charset="-122"/>
+                <a:ea typeface="微软雅黑" panose="020B0503020204020204" pitchFamily="34" charset="-122"/>
+              </a:rPr>
+              <a:t>Transfer</a:t>
+            </a:r>
+            <a:endParaRPr lang="en-US" altLang="zh-CN" sz="1600" dirty="0">
+              <a:solidFill>
+                <a:prstClr val="black">
+                  <a:lumMod val="75000"/>
+                  <a:lumOff val="25000"/>
+                </a:prstClr>
+              </a:solidFill>
+              <a:latin typeface="微软雅黑" panose="020B0503020204020204" pitchFamily="34" charset="-122"/>
+              <a:ea typeface="微软雅黑" panose="020B0503020204020204" pitchFamily="34" charset="-122"/>
+            </a:endParaRPr>
+          </a:p>
+        </p:txBody>
+      </p:sp>
+      <p:sp>
+        <p:nvSpPr>
+          <p:cNvPr id="7" name="文本框 6"/>
+          <p:cNvSpPr txBox="1"/>
+          <p:nvPr/>
+        </p:nvSpPr>
+        <p:spPr>
+          <a:xfrm>
+            <a:off x="182880" y="131445"/>
+            <a:ext cx="2168525" cy="460375"/>
+          </a:xfrm>
+          <a:prstGeom prst="rect">
+            <a:avLst/>
+          </a:prstGeom>
+          <a:noFill/>
+        </p:spPr>
+        <p:txBody>
+          <a:bodyPr wrap="square" rtlCol="0">
+            <a:spAutoFit/>
+          </a:bodyPr>
+          <a:p>
+            <a:r>
+              <a:rPr lang="en-US" altLang="zh-CN" sz="2400">
+                <a:solidFill>
+                  <a:schemeClr val="bg1"/>
+                </a:solidFill>
+              </a:rPr>
+              <a:t>Session IV</a:t>
+            </a:r>
+            <a:endParaRPr lang="en-US" altLang="zh-CN">
+              <a:solidFill>
+                <a:schemeClr val="bg1"/>
+              </a:solidFill>
+            </a:endParaRPr>
+          </a:p>
+        </p:txBody>
+      </p:sp>
+      <p:sp>
+        <p:nvSpPr>
+          <p:cNvPr id="12" name="文本框 11"/>
+          <p:cNvSpPr txBox="1"/>
+          <p:nvPr/>
+        </p:nvSpPr>
+        <p:spPr>
+          <a:xfrm>
+            <a:off x="497840" y="1449070"/>
+            <a:ext cx="8186420" cy="368300"/>
+          </a:xfrm>
+          <a:prstGeom prst="rect">
+            <a:avLst/>
+          </a:prstGeom>
+          <a:noFill/>
+        </p:spPr>
+        <p:txBody>
+          <a:bodyPr wrap="square" rtlCol="0">
+            <a:spAutoFit/>
+          </a:bodyPr>
+          <a:p>
+            <a:r>
+              <a:rPr lang="en-US" altLang="zh-CN"/>
+              <a:t>Rotate an object around x axis:</a:t>
+            </a:r>
+            <a:endParaRPr lang="en-US" altLang="zh-CN"/>
+          </a:p>
+        </p:txBody>
+      </p:sp>
+      <p:graphicFrame>
+        <p:nvGraphicFramePr>
+          <p:cNvPr id="11" name="对象 10"/>
+          <p:cNvGraphicFramePr/>
+          <p:nvPr/>
+        </p:nvGraphicFramePr>
+        <p:xfrm>
+          <a:off x="3758565" y="1449070"/>
+          <a:ext cx="5466080" cy="1704340"/>
+        </p:xfrm>
+        <a:graphic>
+          <a:graphicData uri="http://schemas.openxmlformats.org/presentationml/2006/ole">
+            <mc:AlternateContent xmlns:mc="http://schemas.openxmlformats.org/markup-compatibility/2006">
+              <mc:Choice xmlns:v="urn:schemas-microsoft-com:vml" Requires="v">
+                <p:oleObj spid="_x0000_s14" name="" r:id="rId3" imgW="5466080" imgH="1704340" progId="Equation.KSEE3">
+                  <p:embed/>
+                </p:oleObj>
+              </mc:Choice>
+              <mc:Fallback>
+                <p:oleObj name="" r:id="rId3" imgW="5466080" imgH="1704340" progId="Equation.KSEE3">
+                  <p:embed/>
+                  <p:pic>
+                    <p:nvPicPr>
+                      <p:cNvPr id="0" name="图片 13"/>
+                      <p:cNvPicPr/>
+                      <p:nvPr/>
+                    </p:nvPicPr>
+                    <p:blipFill>
+                      <a:blip r:embed="rId4"/>
+                      <a:stretch>
+                        <a:fillRect/>
+                      </a:stretch>
+                    </p:blipFill>
+                    <p:spPr>
+                      <a:xfrm>
+                        <a:off x="3758565" y="1449070"/>
+                        <a:ext cx="5466080" cy="1704340"/>
+                      </a:xfrm>
+                      <a:prstGeom prst="rect">
+                        <a:avLst/>
+                      </a:prstGeom>
+                    </p:spPr>
+                  </p:pic>
+                </p:oleObj>
+              </mc:Fallback>
+            </mc:AlternateContent>
+          </a:graphicData>
+        </a:graphic>
+      </p:graphicFrame>
+      <p:sp>
+        <p:nvSpPr>
+          <p:cNvPr id="21" name="文本框 20"/>
+          <p:cNvSpPr txBox="1"/>
+          <p:nvPr/>
+        </p:nvSpPr>
+        <p:spPr>
+          <a:xfrm>
+            <a:off x="497840" y="3872230"/>
+            <a:ext cx="8186420" cy="368300"/>
+          </a:xfrm>
+          <a:prstGeom prst="rect">
+            <a:avLst/>
+          </a:prstGeom>
+          <a:noFill/>
+        </p:spPr>
+        <p:txBody>
+          <a:bodyPr wrap="square" rtlCol="0">
+            <a:spAutoFit/>
+          </a:bodyPr>
+          <a:p>
+            <a:r>
+              <a:rPr lang="en-US" altLang="zh-CN"/>
+              <a:t>Rotate an object around z axis:</a:t>
+            </a:r>
+            <a:endParaRPr lang="en-US" altLang="zh-CN"/>
+          </a:p>
+        </p:txBody>
+      </p:sp>
+      <p:graphicFrame>
+        <p:nvGraphicFramePr>
+          <p:cNvPr id="30" name="对象 29"/>
+          <p:cNvGraphicFramePr/>
+          <p:nvPr/>
+        </p:nvGraphicFramePr>
+        <p:xfrm>
+          <a:off x="3758565" y="3872230"/>
+          <a:ext cx="5466080" cy="1970405"/>
+        </p:xfrm>
+        <a:graphic>
+          <a:graphicData uri="http://schemas.openxmlformats.org/presentationml/2006/ole">
+            <mc:AlternateContent xmlns:mc="http://schemas.openxmlformats.org/markup-compatibility/2006">
+              <mc:Choice xmlns:v="urn:schemas-microsoft-com:vml" Requires="v">
+                <p:oleObj spid="_x0000_s31" name="" r:id="rId5" imgW="5466080" imgH="1771015" progId="Equation.KSEE3">
+                  <p:embed/>
+                </p:oleObj>
+              </mc:Choice>
+              <mc:Fallback>
+                <p:oleObj name="" r:id="rId5" imgW="5466080" imgH="1771015" progId="Equation.KSEE3">
+                  <p:embed/>
+                  <p:pic>
+                    <p:nvPicPr>
+                      <p:cNvPr id="0" name="图片 30"/>
+                      <p:cNvPicPr/>
+                      <p:nvPr/>
+                    </p:nvPicPr>
+                    <p:blipFill>
+                      <a:blip r:embed="rId6"/>
+                      <a:stretch>
+                        <a:fillRect/>
+                      </a:stretch>
+                    </p:blipFill>
+                    <p:spPr>
+                      <a:xfrm>
+                        <a:off x="3758565" y="3872230"/>
+                        <a:ext cx="5466080" cy="1970405"/>
+                      </a:xfrm>
+                      <a:prstGeom prst="rect">
+                        <a:avLst/>
+                      </a:prstGeom>
+                    </p:spPr>
+                  </p:pic>
+                </p:oleObj>
+              </mc:Fallback>
+            </mc:AlternateContent>
+          </a:graphicData>
+        </a:graphic>
+      </p:graphicFrame>
+    </p:spTree>
+  </p:cSld>
+  <p:clrMapOvr>
+    <a:masterClrMapping/>
+  </p:clrMapOvr>
+  <mc:AlternateContent xmlns:mc="http://schemas.openxmlformats.org/markup-compatibility/2006">
+    <mc:Choice xmlns:p14="http://schemas.microsoft.com/office/powerpoint/2010/main" Requires="p14">
+      <p:transition p14:dur="250">
+        <p:fade/>
+      </p:transition>
+    </mc:Choice>
+    <mc:Fallback>
+      <p:transition>
+        <p:fade/>
+      </p:transition>
+    </mc:Fallback>
+  </mc:AlternateContent>
+  <p:timing>
+    <p:tnLst>
+      <p:par>
+        <p:cTn id="1" dur="indefinite" restart="never" nodeType="tmRoot"/>
+      </p:par>
+    </p:tnLst>
+  </p:timing>
+</p:sld>
+</file>
+
+<file path=ppt/slides/slide14.xml><?xml version="1.0" encoding="utf-8"?>
+<p:sld xmlns:a="http://schemas.openxmlformats.org/drawingml/2006/main" xmlns:r="http://schemas.openxmlformats.org/officeDocument/2006/relationships" xmlns:p="http://schemas.openxmlformats.org/presentationml/2006/main">
+  <p:cSld>
+    <p:spTree>
+      <p:nvGrpSpPr>
+        <p:cNvPr id="1" name=""/>
+        <p:cNvGrpSpPr/>
+        <p:nvPr/>
+      </p:nvGrpSpPr>
+      <p:grpSpPr>
+        <a:xfrm>
+          <a:off x="0" y="0"/>
+          <a:ext cx="0" cy="0"/>
+          <a:chOff x="0" y="0"/>
+          <a:chExt cx="0" cy="0"/>
+        </a:xfrm>
+      </p:grpSpPr>
+      <p:sp>
+        <p:nvSpPr>
+          <p:cNvPr id="32" name="矩形 31"/>
+          <p:cNvSpPr/>
+          <p:nvPr/>
+        </p:nvSpPr>
+        <p:spPr>
+          <a:xfrm>
+            <a:off x="0" y="131445"/>
+            <a:ext cx="12192000" cy="6858000"/>
+          </a:xfrm>
+          <a:prstGeom prst="rect">
+            <a:avLst/>
+          </a:prstGeom>
+          <a:blipFill dpi="0" rotWithShape="1">
+            <a:blip r:embed="rId1"/>
+            <a:srcRect/>
+            <a:tile tx="0" ty="0" sx="100000" sy="100000" flip="none" algn="tl"/>
+          </a:blipFill>
+          <a:ln>
+            <a:noFill/>
+          </a:ln>
+        </p:spPr>
+        <p:style>
+          <a:lnRef idx="2">
+            <a:schemeClr val="accent1">
+              <a:shade val="50000"/>
+            </a:schemeClr>
+          </a:lnRef>
+          <a:fillRef idx="1">
+            <a:schemeClr val="accent1"/>
+          </a:fillRef>
+          <a:effectRef idx="0">
+            <a:schemeClr val="accent1"/>
+          </a:effectRef>
+          <a:fontRef idx="minor">
+            <a:schemeClr val="lt1"/>
+          </a:fontRef>
+        </p:style>
+        <p:txBody>
+          <a:bodyPr rtlCol="0" anchor="ctr"/>
+          <a:p>
+            <a:pPr algn="ctr"/>
+            <a:endParaRPr lang="zh-CN" altLang="en-US">
+              <a:solidFill>
+                <a:prstClr val="white"/>
+              </a:solidFill>
+              <a:latin typeface="Arial" panose="020B0604020202020204" pitchFamily="34" charset="0"/>
+            </a:endParaRPr>
+          </a:p>
+        </p:txBody>
+      </p:sp>
+      <p:sp>
+        <p:nvSpPr>
+          <p:cNvPr id="2" name="矩形 1"/>
+          <p:cNvSpPr/>
+          <p:nvPr/>
+        </p:nvSpPr>
+        <p:spPr>
+          <a:xfrm>
+            <a:off x="0" y="623888"/>
+            <a:ext cx="12192000" cy="547688"/>
+          </a:xfrm>
+          <a:prstGeom prst="rect">
+            <a:avLst/>
+          </a:prstGeom>
+          <a:solidFill>
+            <a:schemeClr val="bg1">
+              <a:lumMod val="85000"/>
+            </a:schemeClr>
+          </a:solidFill>
+          <a:ln>
+            <a:noFill/>
+          </a:ln>
+        </p:spPr>
+        <p:style>
+          <a:lnRef idx="2">
+            <a:schemeClr val="accent1">
+              <a:shade val="50000"/>
+            </a:schemeClr>
+          </a:lnRef>
+          <a:fillRef idx="1">
+            <a:schemeClr val="accent1"/>
+          </a:fillRef>
+          <a:effectRef idx="0">
+            <a:schemeClr val="accent1"/>
+          </a:effectRef>
+          <a:fontRef idx="minor">
+            <a:schemeClr val="lt1"/>
+          </a:fontRef>
+        </p:style>
+        <p:txBody>
+          <a:bodyPr rtlCol="0" anchor="ctr"/>
+          <a:lstStyle/>
+          <a:p>
+            <a:pPr algn="ctr"/>
+            <a:endParaRPr lang="zh-CN" altLang="en-US">
+              <a:solidFill>
+                <a:prstClr val="white"/>
+              </a:solidFill>
+            </a:endParaRPr>
+          </a:p>
+        </p:txBody>
+      </p:sp>
+      <p:sp>
+        <p:nvSpPr>
+          <p:cNvPr id="8" name="矩形 7"/>
+          <p:cNvSpPr/>
+          <p:nvPr/>
+        </p:nvSpPr>
+        <p:spPr>
+          <a:xfrm>
+            <a:off x="0" y="0"/>
+            <a:ext cx="12191999" cy="623887"/>
+          </a:xfrm>
+          <a:prstGeom prst="rect">
+            <a:avLst/>
+          </a:prstGeom>
+          <a:blipFill dpi="0" rotWithShape="1">
+            <a:blip r:embed="rId2"/>
+            <a:srcRect/>
+            <a:tile tx="0" ty="0" sx="100000" sy="100000" flip="none" algn="tl"/>
+          </a:blipFill>
+          <a:ln>
+            <a:noFill/>
+          </a:ln>
+        </p:spPr>
+        <p:style>
+          <a:lnRef idx="2">
+            <a:schemeClr val="accent1">
+              <a:shade val="50000"/>
+            </a:schemeClr>
+          </a:lnRef>
+          <a:fillRef idx="1">
+            <a:schemeClr val="accent1"/>
+          </a:fillRef>
+          <a:effectRef idx="0">
+            <a:schemeClr val="accent1"/>
+          </a:effectRef>
+          <a:fontRef idx="minor">
+            <a:schemeClr val="lt1"/>
+          </a:fontRef>
+        </p:style>
+        <p:txBody>
+          <a:bodyPr rtlCol="0" anchor="ctr"/>
+          <a:lstStyle/>
+          <a:p>
+            <a:pPr algn="ctr"/>
+            <a:endParaRPr lang="zh-CN" altLang="en-US">
+              <a:solidFill>
+                <a:prstClr val="white"/>
+              </a:solidFill>
+            </a:endParaRPr>
+          </a:p>
+        </p:txBody>
+      </p:sp>
+      <p:sp>
+        <p:nvSpPr>
+          <p:cNvPr id="4" name="文本框 3"/>
+          <p:cNvSpPr txBox="1"/>
+          <p:nvPr/>
+        </p:nvSpPr>
+        <p:spPr>
+          <a:xfrm>
+            <a:off x="242165" y="735587"/>
+            <a:ext cx="952500" cy="337185"/>
+          </a:xfrm>
+          <a:prstGeom prst="rect">
+            <a:avLst/>
+          </a:prstGeom>
+          <a:noFill/>
+        </p:spPr>
+        <p:txBody>
+          <a:bodyPr wrap="none" rtlCol="0">
+            <a:spAutoFit/>
+          </a:bodyPr>
+          <a:lstStyle/>
+          <a:p>
+            <a:r>
+              <a:rPr lang="en-US" altLang="zh-CN" sz="1600" dirty="0">
+                <a:solidFill>
+                  <a:prstClr val="black">
+                    <a:lumMod val="75000"/>
+                    <a:lumOff val="25000"/>
+                  </a:prstClr>
+                </a:solidFill>
+                <a:latin typeface="微软雅黑" panose="020B0503020204020204" pitchFamily="34" charset="-122"/>
+                <a:ea typeface="微软雅黑" panose="020B0503020204020204" pitchFamily="34" charset="-122"/>
+              </a:rPr>
+              <a:t>Transfer</a:t>
+            </a:r>
+            <a:endParaRPr lang="en-US" altLang="zh-CN" sz="1600" dirty="0">
+              <a:solidFill>
+                <a:prstClr val="black">
+                  <a:lumMod val="75000"/>
+                  <a:lumOff val="25000"/>
+                </a:prstClr>
+              </a:solidFill>
+              <a:latin typeface="微软雅黑" panose="020B0503020204020204" pitchFamily="34" charset="-122"/>
+              <a:ea typeface="微软雅黑" panose="020B0503020204020204" pitchFamily="34" charset="-122"/>
+            </a:endParaRPr>
+          </a:p>
+        </p:txBody>
+      </p:sp>
+      <p:sp>
+        <p:nvSpPr>
+          <p:cNvPr id="7" name="文本框 6"/>
+          <p:cNvSpPr txBox="1"/>
+          <p:nvPr/>
+        </p:nvSpPr>
+        <p:spPr>
+          <a:xfrm>
+            <a:off x="182880" y="131445"/>
+            <a:ext cx="2168525" cy="460375"/>
+          </a:xfrm>
+          <a:prstGeom prst="rect">
+            <a:avLst/>
+          </a:prstGeom>
+          <a:noFill/>
+        </p:spPr>
+        <p:txBody>
+          <a:bodyPr wrap="square" rtlCol="0">
+            <a:spAutoFit/>
+          </a:bodyPr>
+          <a:p>
+            <a:r>
+              <a:rPr lang="en-US" altLang="zh-CN" sz="2400">
+                <a:solidFill>
+                  <a:schemeClr val="bg1"/>
+                </a:solidFill>
+              </a:rPr>
+              <a:t>Session IV</a:t>
+            </a:r>
+            <a:endParaRPr lang="en-US" altLang="zh-CN">
+              <a:solidFill>
+                <a:schemeClr val="bg1"/>
+              </a:solidFill>
+            </a:endParaRPr>
+          </a:p>
+        </p:txBody>
+      </p:sp>
+      <p:sp>
+        <p:nvSpPr>
+          <p:cNvPr id="12" name="文本框 11"/>
+          <p:cNvSpPr txBox="1"/>
+          <p:nvPr/>
+        </p:nvSpPr>
+        <p:spPr>
+          <a:xfrm>
+            <a:off x="497840" y="1449070"/>
+            <a:ext cx="8186420" cy="1198880"/>
+          </a:xfrm>
+          <a:prstGeom prst="rect">
+            <a:avLst/>
+          </a:prstGeom>
+          <a:noFill/>
+        </p:spPr>
+        <p:txBody>
+          <a:bodyPr wrap="square" rtlCol="0">
+            <a:spAutoFit/>
+          </a:bodyPr>
+          <a:p>
+            <a:r>
+              <a:rPr lang="en-US" altLang="zh-CN"/>
+              <a:t>Rotate an object around any axis which is parallel with x, y or z axis:</a:t>
+            </a:r>
+            <a:endParaRPr lang="en-US" altLang="zh-CN"/>
+          </a:p>
+          <a:p>
+            <a:r>
+              <a:rPr lang="en-US" altLang="zh-CN"/>
+              <a:t>Step 1: Move the axis and object to x, y or z axis.</a:t>
+            </a:r>
+            <a:endParaRPr lang="en-US" altLang="zh-CN"/>
+          </a:p>
+          <a:p>
+            <a:r>
+              <a:rPr lang="en-US" altLang="zh-CN"/>
+              <a:t>Step 2: Rotate the object around x, y or z.</a:t>
+            </a:r>
+            <a:endParaRPr lang="en-US" altLang="zh-CN"/>
+          </a:p>
+          <a:p>
+            <a:r>
+              <a:rPr lang="en-US" altLang="zh-CN"/>
+              <a:t>Step 3: Move the axis and object back to his original place. </a:t>
+            </a:r>
+            <a:endParaRPr lang="en-US" altLang="zh-CN"/>
+          </a:p>
+        </p:txBody>
+      </p:sp>
+    </p:spTree>
+  </p:cSld>
+  <p:clrMapOvr>
+    <a:masterClrMapping/>
+  </p:clrMapOvr>
+  <mc:AlternateContent xmlns:mc="http://schemas.openxmlformats.org/markup-compatibility/2006">
+    <mc:Choice xmlns:p14="http://schemas.microsoft.com/office/powerpoint/2010/main" Requires="p14">
+      <p:transition p14:dur="250">
+        <p:fade/>
+      </p:transition>
+    </mc:Choice>
+    <mc:Fallback>
+      <p:transition>
+        <p:fade/>
+      </p:transition>
+    </mc:Fallback>
+  </mc:AlternateContent>
+  <p:timing>
+    <p:tnLst>
+      <p:par>
+        <p:cTn id="1" dur="indefinite" restart="never" nodeType="tmRoot"/>
+      </p:par>
+    </p:tnLst>
+  </p:timing>
+</p:sld>
+</file>
+
+<file path=ppt/slides/slide15.xml><?xml version="1.0" encoding="utf-8"?>
+<p:sld xmlns:a="http://schemas.openxmlformats.org/drawingml/2006/main" xmlns:r="http://schemas.openxmlformats.org/officeDocument/2006/relationships" xmlns:p="http://schemas.openxmlformats.org/presentationml/2006/main">
+  <p:cSld>
+    <p:spTree>
+      <p:nvGrpSpPr>
+        <p:cNvPr id="1" name=""/>
+        <p:cNvGrpSpPr/>
+        <p:nvPr/>
+      </p:nvGrpSpPr>
+      <p:grpSpPr>
+        <a:xfrm>
+          <a:off x="0" y="0"/>
+          <a:ext cx="0" cy="0"/>
+          <a:chOff x="0" y="0"/>
+          <a:chExt cx="0" cy="0"/>
+        </a:xfrm>
+      </p:grpSpPr>
+      <p:sp>
+        <p:nvSpPr>
+          <p:cNvPr id="3" name="矩形 2"/>
+          <p:cNvSpPr/>
+          <p:nvPr/>
+        </p:nvSpPr>
+        <p:spPr>
+          <a:xfrm>
+            <a:off x="0" y="131445"/>
+            <a:ext cx="12192000" cy="6858000"/>
+          </a:xfrm>
+          <a:prstGeom prst="rect">
+            <a:avLst/>
+          </a:prstGeom>
+          <a:blipFill dpi="0" rotWithShape="1">
+            <a:blip r:embed="rId1"/>
+            <a:srcRect/>
+            <a:tile tx="0" ty="0" sx="100000" sy="100000" flip="none" algn="tl"/>
+          </a:blipFill>
+          <a:ln>
+            <a:noFill/>
+          </a:ln>
+        </p:spPr>
+        <p:style>
+          <a:lnRef idx="2">
+            <a:schemeClr val="accent1">
+              <a:shade val="50000"/>
+            </a:schemeClr>
+          </a:lnRef>
+          <a:fillRef idx="1">
+            <a:schemeClr val="accent1"/>
+          </a:fillRef>
+          <a:effectRef idx="0">
+            <a:schemeClr val="accent1"/>
+          </a:effectRef>
+          <a:fontRef idx="minor">
+            <a:schemeClr val="lt1"/>
+          </a:fontRef>
+        </p:style>
+        <p:txBody>
+          <a:bodyPr rtlCol="0" anchor="ctr"/>
+          <a:lstStyle/>
+          <a:p>
+            <a:pPr algn="ctr"/>
+            <a:endParaRPr lang="zh-CN" altLang="en-US">
+              <a:solidFill>
+                <a:prstClr val="white"/>
+              </a:solidFill>
+            </a:endParaRPr>
+          </a:p>
+        </p:txBody>
+      </p:sp>
+      <p:sp>
+        <p:nvSpPr>
+          <p:cNvPr id="2" name="矩形 1"/>
+          <p:cNvSpPr/>
+          <p:nvPr/>
+        </p:nvSpPr>
+        <p:spPr>
+          <a:xfrm>
+            <a:off x="0" y="623888"/>
+            <a:ext cx="12192000" cy="547688"/>
+          </a:xfrm>
+          <a:prstGeom prst="rect">
+            <a:avLst/>
+          </a:prstGeom>
+          <a:solidFill>
+            <a:schemeClr val="bg1">
+              <a:lumMod val="85000"/>
+            </a:schemeClr>
+          </a:solidFill>
+          <a:ln>
+            <a:noFill/>
+          </a:ln>
+        </p:spPr>
+        <p:style>
+          <a:lnRef idx="2">
+            <a:schemeClr val="accent1">
+              <a:shade val="50000"/>
+            </a:schemeClr>
+          </a:lnRef>
+          <a:fillRef idx="1">
+            <a:schemeClr val="accent1"/>
+          </a:fillRef>
+          <a:effectRef idx="0">
+            <a:schemeClr val="accent1"/>
+          </a:effectRef>
+          <a:fontRef idx="minor">
+            <a:schemeClr val="lt1"/>
+          </a:fontRef>
+        </p:style>
+        <p:txBody>
+          <a:bodyPr rtlCol="0" anchor="ctr"/>
+          <a:lstStyle/>
+          <a:p>
+            <a:pPr algn="ctr"/>
+            <a:endParaRPr lang="zh-CN" altLang="en-US">
+              <a:solidFill>
+                <a:prstClr val="white"/>
+              </a:solidFill>
+            </a:endParaRPr>
+          </a:p>
+        </p:txBody>
+      </p:sp>
+      <p:sp>
+        <p:nvSpPr>
+          <p:cNvPr id="8" name="矩形 7"/>
+          <p:cNvSpPr/>
+          <p:nvPr/>
+        </p:nvSpPr>
+        <p:spPr>
+          <a:xfrm>
+            <a:off x="0" y="0"/>
+            <a:ext cx="12191999" cy="623887"/>
+          </a:xfrm>
+          <a:prstGeom prst="rect">
+            <a:avLst/>
+          </a:prstGeom>
+          <a:blipFill dpi="0" rotWithShape="1">
+            <a:blip r:embed="rId2"/>
+            <a:srcRect/>
+            <a:tile tx="0" ty="0" sx="100000" sy="100000" flip="none" algn="tl"/>
+          </a:blipFill>
+          <a:ln>
+            <a:noFill/>
+          </a:ln>
+        </p:spPr>
+        <p:style>
+          <a:lnRef idx="2">
+            <a:schemeClr val="accent1">
+              <a:shade val="50000"/>
+            </a:schemeClr>
+          </a:lnRef>
+          <a:fillRef idx="1">
+            <a:schemeClr val="accent1"/>
+          </a:fillRef>
+          <a:effectRef idx="0">
+            <a:schemeClr val="accent1"/>
+          </a:effectRef>
+          <a:fontRef idx="minor">
+            <a:schemeClr val="lt1"/>
+          </a:fontRef>
+        </p:style>
+        <p:txBody>
+          <a:bodyPr rtlCol="0" anchor="ctr"/>
+          <a:lstStyle/>
+          <a:p>
+            <a:pPr algn="ctr"/>
+            <a:endParaRPr lang="zh-CN" altLang="en-US">
+              <a:solidFill>
+                <a:prstClr val="white"/>
+              </a:solidFill>
+            </a:endParaRPr>
+          </a:p>
+        </p:txBody>
+      </p:sp>
+      <p:sp>
+        <p:nvSpPr>
+          <p:cNvPr id="4" name="文本框 3"/>
+          <p:cNvSpPr txBox="1"/>
+          <p:nvPr/>
+        </p:nvSpPr>
+        <p:spPr>
+          <a:xfrm>
+            <a:off x="242165" y="735587"/>
+            <a:ext cx="1679575" cy="337185"/>
+          </a:xfrm>
+          <a:prstGeom prst="rect">
+            <a:avLst/>
+          </a:prstGeom>
+          <a:noFill/>
+        </p:spPr>
+        <p:txBody>
+          <a:bodyPr wrap="none" rtlCol="0">
+            <a:spAutoFit/>
+          </a:bodyPr>
+          <a:lstStyle/>
+          <a:p>
+            <a:r>
+              <a:rPr lang="en-US" altLang="zh-CN" sz="1600" dirty="0">
+                <a:solidFill>
+                  <a:prstClr val="black">
+                    <a:lumMod val="75000"/>
+                    <a:lumOff val="25000"/>
+                  </a:prstClr>
+                </a:solidFill>
+                <a:latin typeface="微软雅黑" panose="020B0503020204020204" pitchFamily="34" charset="-122"/>
+                <a:ea typeface="微软雅黑" panose="020B0503020204020204" pitchFamily="34" charset="-122"/>
+              </a:rPr>
+              <a:t>Hidden Surface</a:t>
+            </a:r>
+            <a:endParaRPr lang="en-US" altLang="zh-CN" sz="1600" dirty="0">
+              <a:solidFill>
+                <a:prstClr val="black">
+                  <a:lumMod val="75000"/>
+                  <a:lumOff val="25000"/>
+                </a:prstClr>
+              </a:solidFill>
+              <a:latin typeface="微软雅黑" panose="020B0503020204020204" pitchFamily="34" charset="-122"/>
+              <a:ea typeface="微软雅黑" panose="020B0503020204020204" pitchFamily="34" charset="-122"/>
+            </a:endParaRPr>
+          </a:p>
+        </p:txBody>
+      </p:sp>
+      <p:sp>
+        <p:nvSpPr>
+          <p:cNvPr id="7" name="文本框 6"/>
+          <p:cNvSpPr txBox="1"/>
+          <p:nvPr/>
+        </p:nvSpPr>
+        <p:spPr>
+          <a:xfrm>
+            <a:off x="182880" y="131445"/>
+            <a:ext cx="2168525" cy="460375"/>
+          </a:xfrm>
+          <a:prstGeom prst="rect">
+            <a:avLst/>
+          </a:prstGeom>
+          <a:noFill/>
+        </p:spPr>
+        <p:txBody>
+          <a:bodyPr wrap="square" rtlCol="0">
+            <a:spAutoFit/>
+          </a:bodyPr>
+          <a:p>
+            <a:r>
+              <a:rPr lang="en-US" altLang="zh-CN" sz="2400">
+                <a:solidFill>
+                  <a:schemeClr val="bg1"/>
+                </a:solidFill>
+              </a:rPr>
+              <a:t>Session V</a:t>
+            </a:r>
+            <a:endParaRPr lang="en-US" altLang="zh-CN">
+              <a:solidFill>
+                <a:schemeClr val="bg1"/>
+              </a:solidFill>
+            </a:endParaRPr>
+          </a:p>
+        </p:txBody>
+      </p:sp>
+      <p:sp>
+        <p:nvSpPr>
+          <p:cNvPr id="12" name="文本框 11"/>
+          <p:cNvSpPr txBox="1"/>
+          <p:nvPr/>
+        </p:nvSpPr>
+        <p:spPr>
+          <a:xfrm>
+            <a:off x="501650" y="1471295"/>
+            <a:ext cx="8186420" cy="2306955"/>
+          </a:xfrm>
+          <a:prstGeom prst="rect">
+            <a:avLst/>
+          </a:prstGeom>
+          <a:noFill/>
+        </p:spPr>
+        <p:txBody>
+          <a:bodyPr wrap="square" rtlCol="0">
+            <a:spAutoFit/>
+          </a:bodyPr>
+          <a:p>
+            <a:r>
+              <a:rPr lang="en-US" altLang="zh-CN" b="1"/>
+              <a:t>Key Point 3:</a:t>
+            </a:r>
+            <a:endParaRPr lang="en-US" altLang="zh-CN" b="1"/>
+          </a:p>
+          <a:p>
+            <a:r>
+              <a:rPr lang="en-US" altLang="zh-CN"/>
+              <a:t>How to hide the objects and surfaces which shouldn't be visible.</a:t>
+            </a:r>
+            <a:endParaRPr lang="en-US" altLang="zh-CN"/>
+          </a:p>
+          <a:p>
+            <a:endParaRPr lang="en-US" altLang="zh-CN"/>
+          </a:p>
+          <a:p>
+            <a:r>
+              <a:rPr lang="en-US" altLang="zh-CN"/>
+              <a:t>Use mathematical way to find out which line, segment or point should be hidden one frame by one frame. It's complicate and there will be a lot of calculation which will bring performance issue.</a:t>
+            </a:r>
+            <a:endParaRPr lang="en-US" altLang="zh-CN"/>
+          </a:p>
+          <a:p>
+            <a:endParaRPr lang="en-US" altLang="zh-CN"/>
+          </a:p>
+          <a:p>
+            <a:endParaRPr lang="en-US" altLang="zh-CN"/>
+          </a:p>
+        </p:txBody>
+      </p:sp>
+      <p:grpSp>
+        <p:nvGrpSpPr>
+          <p:cNvPr id="11" name="组合 10"/>
+          <p:cNvGrpSpPr/>
+          <p:nvPr/>
+        </p:nvGrpSpPr>
+        <p:grpSpPr>
+          <a:xfrm>
+            <a:off x="9676765" y="2039620"/>
+            <a:ext cx="2172970" cy="1995170"/>
+            <a:chOff x="4640" y="5120"/>
+            <a:chExt cx="4396" cy="4022"/>
+          </a:xfrm>
+        </p:grpSpPr>
+        <p:sp>
+          <p:nvSpPr>
+            <p:cNvPr id="9" name="立方体 8"/>
+            <p:cNvSpPr/>
+            <p:nvPr/>
+          </p:nvSpPr>
+          <p:spPr>
+            <a:xfrm>
+              <a:off x="4640" y="6648"/>
+              <a:ext cx="2382" cy="2495"/>
+            </a:xfrm>
+            <a:prstGeom prst="cube">
+              <a:avLst/>
+            </a:prstGeom>
+            <a:noFill/>
+            <a:extLst>
+              <a:ext uri="{909E8E84-426E-40DD-AFC4-6F175D3DCCD1}">
+                <a14:hiddenFill xmlns:a14="http://schemas.microsoft.com/office/drawing/2010/main">
+                  <a:solidFill>
+                    <a:schemeClr val="accent1"/>
+                  </a:solidFill>
+                </a14:hiddenFill>
+              </a:ext>
+            </a:extLst>
+          </p:spPr>
+          <p:style>
+            <a:lnRef idx="2">
+              <a:schemeClr val="accent1">
+                <a:shade val="50000"/>
+              </a:schemeClr>
+            </a:lnRef>
+            <a:fillRef idx="1">
+              <a:schemeClr val="accent1"/>
+            </a:fillRef>
+            <a:effectRef idx="0">
+              <a:schemeClr val="accent1"/>
+            </a:effectRef>
+            <a:fontRef idx="minor">
+              <a:schemeClr val="lt1"/>
+            </a:fontRef>
+          </p:style>
+          <p:txBody>
+            <a:bodyPr rtlCol="0" anchor="ctr"/>
+            <a:p>
+              <a:pPr algn="ctr"/>
+              <a:endParaRPr lang="zh-CN" altLang="en-US"/>
+            </a:p>
+          </p:txBody>
+        </p:sp>
+        <p:sp>
+          <p:nvSpPr>
+            <p:cNvPr id="10" name="立方体 9"/>
+            <p:cNvSpPr/>
+            <p:nvPr/>
+          </p:nvSpPr>
+          <p:spPr>
+            <a:xfrm>
+              <a:off x="6202" y="5120"/>
+              <a:ext cx="2835" cy="2835"/>
+            </a:xfrm>
+            <a:prstGeom prst="cube">
+              <a:avLst/>
+            </a:prstGeom>
+            <a:noFill/>
+            <a:extLst>
+              <a:ext uri="{909E8E84-426E-40DD-AFC4-6F175D3DCCD1}">
+                <a14:hiddenFill xmlns:a14="http://schemas.microsoft.com/office/drawing/2010/main">
+                  <a:solidFill>
+                    <a:schemeClr val="accent1"/>
+                  </a:solidFill>
+                </a14:hiddenFill>
+              </a:ext>
+            </a:extLst>
+          </p:spPr>
+          <p:style>
+            <a:lnRef idx="2">
+              <a:schemeClr val="accent1">
+                <a:shade val="50000"/>
+              </a:schemeClr>
+            </a:lnRef>
+            <a:fillRef idx="1">
+              <a:schemeClr val="accent1"/>
+            </a:fillRef>
+            <a:effectRef idx="0">
+              <a:schemeClr val="accent1"/>
+            </a:effectRef>
+            <a:fontRef idx="minor">
+              <a:schemeClr val="lt1"/>
+            </a:fontRef>
+          </p:style>
+          <p:txBody>
+            <a:bodyPr rtlCol="0" anchor="ctr"/>
+            <a:p>
+              <a:pPr algn="ctr"/>
+              <a:endParaRPr lang="zh-CN" altLang="en-US"/>
+            </a:p>
+          </p:txBody>
+        </p:sp>
+      </p:grpSp>
+      <p:sp>
+        <p:nvSpPr>
+          <p:cNvPr id="13" name="文本框 12"/>
+          <p:cNvSpPr txBox="1"/>
+          <p:nvPr/>
+        </p:nvSpPr>
+        <p:spPr>
+          <a:xfrm>
+            <a:off x="501650" y="4966970"/>
+            <a:ext cx="7637145" cy="1198880"/>
+          </a:xfrm>
+          <a:prstGeom prst="rect">
+            <a:avLst/>
+          </a:prstGeom>
+          <a:noFill/>
+        </p:spPr>
+        <p:txBody>
+          <a:bodyPr wrap="square" rtlCol="0">
+            <a:spAutoFit/>
+          </a:bodyPr>
+          <a:p>
+            <a:r>
+              <a:rPr lang="en-US" altLang="zh-CN">
+                <a:sym typeface="+mn-ea"/>
+              </a:rPr>
+              <a:t>Use Z depth to determine which surface should draw first and which surface should be draw last. It's easy to achieve and calculation will be less than the first way.</a:t>
+            </a:r>
+            <a:endParaRPr lang="en-US" altLang="zh-CN"/>
+          </a:p>
+          <a:p>
+            <a:endParaRPr lang="zh-CN" altLang="en-US"/>
+          </a:p>
+        </p:txBody>
+      </p:sp>
+      <p:grpSp>
+        <p:nvGrpSpPr>
+          <p:cNvPr id="17" name="组合 16"/>
+          <p:cNvGrpSpPr/>
+          <p:nvPr/>
+        </p:nvGrpSpPr>
+        <p:grpSpPr>
+          <a:xfrm>
+            <a:off x="9676765" y="4570730"/>
+            <a:ext cx="2004695" cy="1917065"/>
+            <a:chOff x="15239" y="6520"/>
+            <a:chExt cx="3157" cy="3019"/>
+          </a:xfrm>
+        </p:grpSpPr>
+        <p:sp>
+          <p:nvSpPr>
+            <p:cNvPr id="16" name="立方体 15"/>
+            <p:cNvSpPr/>
+            <p:nvPr/>
+          </p:nvSpPr>
+          <p:spPr>
+            <a:xfrm>
+              <a:off x="16350" y="6520"/>
+              <a:ext cx="2046" cy="2127"/>
+            </a:xfrm>
+            <a:prstGeom prst="cube">
+              <a:avLst/>
+            </a:prstGeom>
+            <a:solidFill>
+              <a:srgbClr val="FFC000"/>
+            </a:solidFill>
+          </p:spPr>
+          <p:style>
+            <a:lnRef idx="2">
+              <a:schemeClr val="accent1">
+                <a:shade val="50000"/>
+              </a:schemeClr>
+            </a:lnRef>
+            <a:fillRef idx="1">
+              <a:schemeClr val="accent1"/>
+            </a:fillRef>
+            <a:effectRef idx="0">
+              <a:schemeClr val="accent1"/>
+            </a:effectRef>
+            <a:fontRef idx="minor">
+              <a:schemeClr val="lt1"/>
+            </a:fontRef>
+          </p:style>
+          <p:txBody>
+            <a:bodyPr rtlCol="0" anchor="ctr"/>
+            <a:p>
+              <a:pPr algn="ctr"/>
+              <a:endParaRPr lang="zh-CN" altLang="en-US"/>
+            </a:p>
+          </p:txBody>
+        </p:sp>
+        <p:sp>
+          <p:nvSpPr>
+            <p:cNvPr id="15" name="立方体 14"/>
+            <p:cNvSpPr/>
+            <p:nvPr/>
+          </p:nvSpPr>
+          <p:spPr>
+            <a:xfrm>
+              <a:off x="15239" y="7667"/>
+              <a:ext cx="1719" cy="1872"/>
+            </a:xfrm>
+            <a:prstGeom prst="cube">
+              <a:avLst/>
+            </a:prstGeom>
+            <a:solidFill>
+              <a:srgbClr val="FFC000"/>
+            </a:solidFill>
+          </p:spPr>
+          <p:style>
+            <a:lnRef idx="2">
+              <a:schemeClr val="accent1">
+                <a:shade val="50000"/>
+              </a:schemeClr>
+            </a:lnRef>
+            <a:fillRef idx="1">
+              <a:schemeClr val="accent1"/>
+            </a:fillRef>
+            <a:effectRef idx="0">
+              <a:schemeClr val="accent1"/>
+            </a:effectRef>
+            <a:fontRef idx="minor">
+              <a:schemeClr val="lt1"/>
+            </a:fontRef>
+          </p:style>
+          <p:txBody>
+            <a:bodyPr rtlCol="0" anchor="ctr"/>
+            <a:p>
+              <a:pPr algn="ctr"/>
+              <a:endParaRPr lang="zh-CN" altLang="en-US"/>
+            </a:p>
+          </p:txBody>
+        </p:sp>
+      </p:grpSp>
+    </p:spTree>
+  </p:cSld>
+  <p:clrMapOvr>
+    <a:masterClrMapping/>
+  </p:clrMapOvr>
+  <mc:AlternateContent xmlns:mc="http://schemas.openxmlformats.org/markup-compatibility/2006">
+    <mc:Choice xmlns:p14="http://schemas.microsoft.com/office/powerpoint/2010/main" Requires="p14">
+      <p:transition p14:dur="250">
+        <p:fade/>
+      </p:transition>
+    </mc:Choice>
+    <mc:Fallback>
+      <p:transition>
+        <p:fade/>
+      </p:transition>
+    </mc:Fallback>
+  </mc:AlternateContent>
+  <p:timing>
+    <p:tnLst>
+      <p:par>
+        <p:cTn id="1" dur="indefinite" restart="never" nodeType="tmRoot"/>
+      </p:par>
+    </p:tnLst>
+  </p:timing>
+</p:sld>
+</file>
+
+<file path=ppt/slides/slide16.xml><?xml version="1.0" encoding="utf-8"?>
+<p:sld xmlns:a="http://schemas.openxmlformats.org/drawingml/2006/main" xmlns:r="http://schemas.openxmlformats.org/officeDocument/2006/relationships" xmlns:p="http://schemas.openxmlformats.org/presentationml/2006/main">
+  <p:cSld>
+    <p:spTree>
+      <p:nvGrpSpPr>
+        <p:cNvPr id="1" name=""/>
+        <p:cNvGrpSpPr/>
+        <p:nvPr/>
+      </p:nvGrpSpPr>
+      <p:grpSpPr>
+        <a:xfrm>
+          <a:off x="0" y="0"/>
+          <a:ext cx="0" cy="0"/>
+          <a:chOff x="0" y="0"/>
+          <a:chExt cx="0" cy="0"/>
+        </a:xfrm>
+      </p:grpSpPr>
+      <p:sp>
+        <p:nvSpPr>
+          <p:cNvPr id="3" name="矩形 2"/>
+          <p:cNvSpPr/>
+          <p:nvPr/>
+        </p:nvSpPr>
+        <p:spPr>
+          <a:xfrm>
+            <a:off x="0" y="131445"/>
+            <a:ext cx="12192000" cy="6858000"/>
+          </a:xfrm>
+          <a:prstGeom prst="rect">
+            <a:avLst/>
+          </a:prstGeom>
+          <a:blipFill dpi="0" rotWithShape="1">
+            <a:blip r:embed="rId1"/>
+            <a:srcRect/>
+            <a:tile tx="0" ty="0" sx="100000" sy="100000" flip="none" algn="tl"/>
+          </a:blipFill>
+          <a:ln>
+            <a:noFill/>
+          </a:ln>
+        </p:spPr>
+        <p:style>
+          <a:lnRef idx="2">
+            <a:schemeClr val="accent1">
+              <a:shade val="50000"/>
+            </a:schemeClr>
+          </a:lnRef>
+          <a:fillRef idx="1">
+            <a:schemeClr val="accent1"/>
+          </a:fillRef>
+          <a:effectRef idx="0">
+            <a:schemeClr val="accent1"/>
+          </a:effectRef>
+          <a:fontRef idx="minor">
+            <a:schemeClr val="lt1"/>
+          </a:fontRef>
+        </p:style>
+        <p:txBody>
+          <a:bodyPr rtlCol="0" anchor="ctr"/>
+          <a:lstStyle/>
+          <a:p>
+            <a:pPr algn="ctr"/>
+            <a:endParaRPr lang="zh-CN" altLang="en-US">
+              <a:solidFill>
+                <a:prstClr val="white"/>
+              </a:solidFill>
+            </a:endParaRPr>
+          </a:p>
+        </p:txBody>
+      </p:sp>
+      <p:sp>
+        <p:nvSpPr>
+          <p:cNvPr id="2" name="矩形 1"/>
+          <p:cNvSpPr/>
+          <p:nvPr/>
+        </p:nvSpPr>
+        <p:spPr>
+          <a:xfrm>
+            <a:off x="0" y="623888"/>
+            <a:ext cx="12192000" cy="547688"/>
+          </a:xfrm>
+          <a:prstGeom prst="rect">
+            <a:avLst/>
+          </a:prstGeom>
+          <a:solidFill>
+            <a:schemeClr val="bg1">
+              <a:lumMod val="85000"/>
+            </a:schemeClr>
+          </a:solidFill>
+          <a:ln>
+            <a:noFill/>
+          </a:ln>
+        </p:spPr>
+        <p:style>
+          <a:lnRef idx="2">
+            <a:schemeClr val="accent1">
+              <a:shade val="50000"/>
+            </a:schemeClr>
+          </a:lnRef>
+          <a:fillRef idx="1">
+            <a:schemeClr val="accent1"/>
+          </a:fillRef>
+          <a:effectRef idx="0">
+            <a:schemeClr val="accent1"/>
+          </a:effectRef>
+          <a:fontRef idx="minor">
+            <a:schemeClr val="lt1"/>
+          </a:fontRef>
+        </p:style>
+        <p:txBody>
+          <a:bodyPr rtlCol="0" anchor="ctr"/>
+          <a:lstStyle/>
+          <a:p>
+            <a:pPr algn="ctr"/>
+            <a:endParaRPr lang="zh-CN" altLang="en-US">
+              <a:solidFill>
+                <a:prstClr val="white"/>
+              </a:solidFill>
+            </a:endParaRPr>
+          </a:p>
+        </p:txBody>
+      </p:sp>
+      <p:sp>
+        <p:nvSpPr>
+          <p:cNvPr id="8" name="矩形 7"/>
+          <p:cNvSpPr/>
+          <p:nvPr/>
+        </p:nvSpPr>
+        <p:spPr>
+          <a:xfrm>
+            <a:off x="0" y="0"/>
+            <a:ext cx="12191999" cy="623887"/>
+          </a:xfrm>
+          <a:prstGeom prst="rect">
+            <a:avLst/>
+          </a:prstGeom>
+          <a:blipFill dpi="0" rotWithShape="1">
+            <a:blip r:embed="rId2"/>
+            <a:srcRect/>
+            <a:tile tx="0" ty="0" sx="100000" sy="100000" flip="none" algn="tl"/>
+          </a:blipFill>
+          <a:ln>
+            <a:noFill/>
+          </a:ln>
+        </p:spPr>
+        <p:style>
+          <a:lnRef idx="2">
+            <a:schemeClr val="accent1">
+              <a:shade val="50000"/>
+            </a:schemeClr>
+          </a:lnRef>
+          <a:fillRef idx="1">
+            <a:schemeClr val="accent1"/>
+          </a:fillRef>
+          <a:effectRef idx="0">
+            <a:schemeClr val="accent1"/>
+          </a:effectRef>
+          <a:fontRef idx="minor">
+            <a:schemeClr val="lt1"/>
+          </a:fontRef>
+        </p:style>
+        <p:txBody>
+          <a:bodyPr rtlCol="0" anchor="ctr"/>
+          <a:lstStyle/>
+          <a:p>
+            <a:pPr algn="ctr"/>
+            <a:endParaRPr lang="zh-CN" altLang="en-US">
+              <a:solidFill>
+                <a:prstClr val="white"/>
+              </a:solidFill>
+            </a:endParaRPr>
+          </a:p>
+        </p:txBody>
+      </p:sp>
+      <p:sp>
+        <p:nvSpPr>
+          <p:cNvPr id="4" name="文本框 3"/>
+          <p:cNvSpPr txBox="1"/>
+          <p:nvPr/>
+        </p:nvSpPr>
+        <p:spPr>
+          <a:xfrm>
+            <a:off x="242165" y="735587"/>
+            <a:ext cx="1250950" cy="337185"/>
+          </a:xfrm>
+          <a:prstGeom prst="rect">
+            <a:avLst/>
+          </a:prstGeom>
+          <a:noFill/>
+        </p:spPr>
+        <p:txBody>
+          <a:bodyPr wrap="none" rtlCol="0">
+            <a:spAutoFit/>
+          </a:bodyPr>
+          <a:lstStyle/>
+          <a:p>
+            <a:r>
+              <a:rPr lang="en-US" altLang="zh-CN" sz="1600" dirty="0">
+                <a:solidFill>
+                  <a:prstClr val="black">
+                    <a:lumMod val="75000"/>
+                    <a:lumOff val="25000"/>
+                  </a:prstClr>
+                </a:solidFill>
+                <a:latin typeface="微软雅黑" panose="020B0503020204020204" pitchFamily="34" charset="-122"/>
+                <a:ea typeface="微软雅黑" panose="020B0503020204020204" pitchFamily="34" charset="-122"/>
+              </a:rPr>
+              <a:t>Production</a:t>
+            </a:r>
+            <a:endParaRPr lang="en-US" altLang="zh-CN" sz="1600" dirty="0">
+              <a:solidFill>
+                <a:prstClr val="black">
+                  <a:lumMod val="75000"/>
+                  <a:lumOff val="25000"/>
+                </a:prstClr>
+              </a:solidFill>
+              <a:latin typeface="微软雅黑" panose="020B0503020204020204" pitchFamily="34" charset="-122"/>
+              <a:ea typeface="微软雅黑" panose="020B0503020204020204" pitchFamily="34" charset="-122"/>
+            </a:endParaRPr>
+          </a:p>
+        </p:txBody>
+      </p:sp>
+      <p:sp>
+        <p:nvSpPr>
+          <p:cNvPr id="7" name="文本框 6"/>
+          <p:cNvSpPr txBox="1"/>
+          <p:nvPr/>
+        </p:nvSpPr>
+        <p:spPr>
+          <a:xfrm>
+            <a:off x="182880" y="131445"/>
+            <a:ext cx="2168525" cy="460375"/>
+          </a:xfrm>
+          <a:prstGeom prst="rect">
+            <a:avLst/>
+          </a:prstGeom>
+          <a:noFill/>
+        </p:spPr>
+        <p:txBody>
+          <a:bodyPr wrap="square" rtlCol="0">
+            <a:spAutoFit/>
+          </a:bodyPr>
+          <a:p>
+            <a:r>
+              <a:rPr lang="en-US" altLang="zh-CN" sz="2400">
+                <a:solidFill>
+                  <a:schemeClr val="bg1"/>
+                </a:solidFill>
+              </a:rPr>
+              <a:t>Session VI</a:t>
+            </a:r>
+            <a:endParaRPr lang="en-US" altLang="zh-CN">
+              <a:solidFill>
+                <a:schemeClr val="bg1"/>
+              </a:solidFill>
+            </a:endParaRPr>
+          </a:p>
+        </p:txBody>
+      </p:sp>
+      <p:sp>
+        <p:nvSpPr>
+          <p:cNvPr id="12" name="文本框 11"/>
+          <p:cNvSpPr txBox="1"/>
+          <p:nvPr/>
+        </p:nvSpPr>
+        <p:spPr>
+          <a:xfrm>
+            <a:off x="687070" y="2268220"/>
+            <a:ext cx="10377805" cy="2584450"/>
+          </a:xfrm>
+          <a:prstGeom prst="rect">
+            <a:avLst/>
+          </a:prstGeom>
+          <a:noFill/>
+        </p:spPr>
+        <p:txBody>
+          <a:bodyPr wrap="square" rtlCol="0">
+            <a:spAutoFit/>
+          </a:bodyPr>
+          <a:p>
+            <a:r>
+              <a:rPr lang="en-US" altLang="zh-CN" sz="4800" b="1"/>
+              <a:t>Git: https://github.com/jeromepeng/tetris</a:t>
+            </a:r>
+            <a:endParaRPr lang="en-US" altLang="zh-CN" sz="4800" b="1"/>
+          </a:p>
+          <a:p>
+            <a:endParaRPr lang="en-US" altLang="zh-CN" sz="4800" b="1"/>
+          </a:p>
+          <a:p>
+            <a:endParaRPr lang="en-US" altLang="zh-CN"/>
+          </a:p>
+        </p:txBody>
+      </p:sp>
+    </p:spTree>
+  </p:cSld>
+  <p:clrMapOvr>
+    <a:masterClrMapping/>
+  </p:clrMapOvr>
+  <mc:AlternateContent xmlns:mc="http://schemas.openxmlformats.org/markup-compatibility/2006">
+    <mc:Choice xmlns:p14="http://schemas.microsoft.com/office/powerpoint/2010/main" Requires="p14">
+      <p:transition p14:dur="250">
+        <p:fade/>
+      </p:transition>
+    </mc:Choice>
+    <mc:Fallback>
+      <p:transition>
+        <p:fade/>
+      </p:transition>
+    </mc:Fallback>
+  </mc:AlternateContent>
+  <p:timing>
+    <p:tnLst>
+      <p:par>
+        <p:cTn id="1" dur="indefinite" restart="never" nodeType="tmRoot"/>
+      </p:par>
+    </p:tnLst>
+  </p:timing>
+</p:sld>
+</file>
+
+<file path=ppt/slides/slide17.xml><?xml version="1.0" encoding="utf-8"?>
 <p:sld xmlns:a="http://schemas.openxmlformats.org/drawingml/2006/main" xmlns:r="http://schemas.openxmlformats.org/officeDocument/2006/relationships" xmlns:p="http://schemas.openxmlformats.org/presentationml/2006/main">
   <p:cSld>
     <p:spTree>
@@ -11126,4 +14820,522 @@
     </a:ext>
   </a:extLst>
 </a:theme>
+</file>
+
+<file path=ppt/theme/theme2.xml><?xml version="1.0" encoding="utf-8"?>
+<a:theme xmlns:a="http://schemas.openxmlformats.org/drawingml/2006/main" name="Office 主题">
+  <a:themeElements>
+    <a:clrScheme name="Office">
+      <a:dk1>
+        <a:sysClr val="windowText" lastClr="000000"/>
+      </a:dk1>
+      <a:lt1>
+        <a:sysClr val="window" lastClr="FFFFFF"/>
+      </a:lt1>
+      <a:dk2>
+        <a:srgbClr val="44546A"/>
+      </a:dk2>
+      <a:lt2>
+        <a:srgbClr val="E7E6E6"/>
+      </a:lt2>
+      <a:accent1>
+        <a:srgbClr val="5B9BD5"/>
+      </a:accent1>
+      <a:accent2>
+        <a:srgbClr val="ED7D31"/>
+      </a:accent2>
+      <a:accent3>
+        <a:srgbClr val="A5A5A5"/>
+      </a:accent3>
+      <a:accent4>
+        <a:srgbClr val="FFC000"/>
+      </a:accent4>
+      <a:accent5>
+        <a:srgbClr val="4472C4"/>
+      </a:accent5>
+      <a:accent6>
+        <a:srgbClr val="70AD47"/>
+      </a:accent6>
+      <a:hlink>
+        <a:srgbClr val="0563C1"/>
+      </a:hlink>
+      <a:folHlink>
+        <a:srgbClr val="954F72"/>
+      </a:folHlink>
+    </a:clrScheme>
+    <a:fontScheme name="Office">
+      <a:majorFont>
+        <a:latin typeface="Calibri Light"/>
+        <a:ea typeface=""/>
+        <a:cs typeface=""/>
+        <a:font script="Jpan" typeface="ＭＳ Ｐゴシック"/>
+        <a:font script="Hang" typeface="맑은 고딕"/>
+        <a:font script="Hans" typeface="宋体"/>
+        <a:font script="Hant" typeface="新細明體"/>
+        <a:font script="Arab" typeface="Times New Roman"/>
+        <a:font script="Hebr" typeface="Times New Roman"/>
+        <a:font script="Thai" typeface="Angsana New"/>
+        <a:font script="Ethi" typeface="Nyala"/>
+        <a:font script="Beng" typeface="Vrinda"/>
+        <a:font script="Gujr" typeface="Shruti"/>
+        <a:font script="Khmr" typeface="MoolBoran"/>
+        <a:font script="Knda" typeface="Tunga"/>
+        <a:font script="Guru" typeface="Raavi"/>
+        <a:font script="Cans" typeface="Euphemia"/>
+        <a:font script="Cher" typeface="Plantagenet Cherokee"/>
+        <a:font script="Yiii" typeface="Microsoft Yi Baiti"/>
+        <a:font script="Tibt" typeface="Microsoft Himalaya"/>
+        <a:font script="Thaa" typeface="MV Boli"/>
+        <a:font script="Deva" typeface="Mangal"/>
+        <a:font script="Telu" typeface="Gautami"/>
+        <a:font script="Taml" typeface="Latha"/>
+        <a:font script="Syrc" typeface="Estrangelo Edessa"/>
+        <a:font script="Orya" typeface="Kalinga"/>
+        <a:font script="Mlym" typeface="Kartika"/>
+        <a:font script="Laoo" typeface="DokChampa"/>
+        <a:font script="Sinh" typeface="Iskoola Pota"/>
+        <a:font script="Mong" typeface="Mongolian Baiti"/>
+        <a:font script="Viet" typeface="Times New Roman"/>
+        <a:font script="Uigh" typeface="Microsoft Uighur"/>
+        <a:font script="Geor" typeface="Sylfaen"/>
+      </a:majorFont>
+      <a:minorFont>
+        <a:latin typeface="Calibri"/>
+        <a:ea typeface=""/>
+        <a:cs typeface=""/>
+        <a:font script="Jpan" typeface="ＭＳ Ｐゴシック"/>
+        <a:font script="Hang" typeface="맑은 고딕"/>
+        <a:font script="Hans" typeface="宋体"/>
+        <a:font script="Hant" typeface="新細明體"/>
+        <a:font script="Arab" typeface="Arial"/>
+        <a:font script="Hebr" typeface="Arial"/>
+        <a:font script="Thai" typeface="Cordia New"/>
+        <a:font script="Ethi" typeface="Nyala"/>
+        <a:font script="Beng" typeface="Vrinda"/>
+        <a:font script="Gujr" typeface="Shruti"/>
+        <a:font script="Khmr" typeface="DaunPenh"/>
+        <a:font script="Knda" typeface="Tunga"/>
+        <a:font script="Guru" typeface="Raavi"/>
+        <a:font script="Cans" typeface="Euphemia"/>
+        <a:font script="Cher" typeface="Plantagenet Cherokee"/>
+        <a:font script="Yiii" typeface="Microsoft Yi Baiti"/>
+        <a:font script="Tibt" typeface="Microsoft Himalaya"/>
+        <a:font script="Thaa" typeface="MV Boli"/>
+        <a:font script="Deva" typeface="Mangal"/>
+        <a:font script="Telu" typeface="Gautami"/>
+        <a:font script="Taml" typeface="Latha"/>
+        <a:font script="Syrc" typeface="Estrangelo Edessa"/>
+        <a:font script="Orya" typeface="Kalinga"/>
+        <a:font script="Mlym" typeface="Kartika"/>
+        <a:font script="Laoo" typeface="DokChampa"/>
+        <a:font script="Sinh" typeface="Iskoola Pota"/>
+        <a:font script="Mong" typeface="Mongolian Baiti"/>
+        <a:font script="Viet" typeface="Arial"/>
+        <a:font script="Uigh" typeface="Microsoft Uighur"/>
+        <a:font script="Geor" typeface="Sylfaen"/>
+      </a:minorFont>
+    </a:fontScheme>
+    <a:fmtScheme name="Office">
+      <a:fillStyleLst>
+        <a:solidFill>
+          <a:schemeClr val="phClr"/>
+        </a:solidFill>
+        <a:gradFill rotWithShape="1">
+          <a:gsLst>
+            <a:gs pos="0">
+              <a:schemeClr val="phClr">
+                <a:lumMod val="110000"/>
+                <a:satMod val="105000"/>
+                <a:tint val="67000"/>
+              </a:schemeClr>
+            </a:gs>
+            <a:gs pos="50000">
+              <a:schemeClr val="phClr">
+                <a:lumMod val="105000"/>
+                <a:satMod val="103000"/>
+                <a:tint val="73000"/>
+              </a:schemeClr>
+            </a:gs>
+            <a:gs pos="100000">
+              <a:schemeClr val="phClr">
+                <a:lumMod val="105000"/>
+                <a:satMod val="109000"/>
+                <a:tint val="81000"/>
+              </a:schemeClr>
+            </a:gs>
+          </a:gsLst>
+          <a:lin ang="5400000" scaled="0"/>
+        </a:gradFill>
+        <a:gradFill rotWithShape="1">
+          <a:gsLst>
+            <a:gs pos="0">
+              <a:schemeClr val="phClr">
+                <a:satMod val="103000"/>
+                <a:lumMod val="102000"/>
+                <a:tint val="94000"/>
+              </a:schemeClr>
+            </a:gs>
+            <a:gs pos="50000">
+              <a:schemeClr val="phClr">
+                <a:satMod val="110000"/>
+                <a:lumMod val="100000"/>
+                <a:shade val="100000"/>
+              </a:schemeClr>
+            </a:gs>
+            <a:gs pos="100000">
+              <a:schemeClr val="phClr">
+                <a:lumMod val="99000"/>
+                <a:satMod val="120000"/>
+                <a:shade val="78000"/>
+              </a:schemeClr>
+            </a:gs>
+          </a:gsLst>
+          <a:lin ang="5400000" scaled="0"/>
+        </a:gradFill>
+      </a:fillStyleLst>
+      <a:lnStyleLst>
+        <a:ln w="6350" cap="flat" cmpd="sng" algn="ctr">
+          <a:solidFill>
+            <a:schemeClr val="phClr"/>
+          </a:solidFill>
+          <a:prstDash val="solid"/>
+          <a:miter lim="800000"/>
+        </a:ln>
+        <a:ln w="12700" cap="flat" cmpd="sng" algn="ctr">
+          <a:solidFill>
+            <a:schemeClr val="phClr"/>
+          </a:solidFill>
+          <a:prstDash val="solid"/>
+          <a:miter lim="800000"/>
+        </a:ln>
+        <a:ln w="19050" cap="flat" cmpd="sng" algn="ctr">
+          <a:solidFill>
+            <a:schemeClr val="phClr"/>
+          </a:solidFill>
+          <a:prstDash val="solid"/>
+          <a:miter lim="800000"/>
+        </a:ln>
+      </a:lnStyleLst>
+      <a:effectStyleLst>
+        <a:effectStyle>
+          <a:effectLst/>
+        </a:effectStyle>
+        <a:effectStyle>
+          <a:effectLst/>
+        </a:effectStyle>
+        <a:effectStyle>
+          <a:effectLst>
+            <a:outerShdw blurRad="57150" dist="19050" dir="5400000" algn="ctr" rotWithShape="0">
+              <a:srgbClr val="000000">
+                <a:alpha val="63000"/>
+              </a:srgbClr>
+            </a:outerShdw>
+          </a:effectLst>
+        </a:effectStyle>
+      </a:effectStyleLst>
+      <a:bgFillStyleLst>
+        <a:solidFill>
+          <a:schemeClr val="phClr"/>
+        </a:solidFill>
+        <a:solidFill>
+          <a:schemeClr val="phClr">
+            <a:tint val="95000"/>
+            <a:satMod val="170000"/>
+          </a:schemeClr>
+        </a:solidFill>
+        <a:gradFill rotWithShape="1">
+          <a:gsLst>
+            <a:gs pos="0">
+              <a:schemeClr val="phClr">
+                <a:tint val="93000"/>
+                <a:satMod val="150000"/>
+                <a:shade val="98000"/>
+                <a:lumMod val="102000"/>
+              </a:schemeClr>
+            </a:gs>
+            <a:gs pos="50000">
+              <a:schemeClr val="phClr">
+                <a:tint val="98000"/>
+                <a:satMod val="130000"/>
+                <a:shade val="90000"/>
+                <a:lumMod val="103000"/>
+              </a:schemeClr>
+            </a:gs>
+            <a:gs pos="100000">
+              <a:schemeClr val="phClr">
+                <a:shade val="63000"/>
+                <a:satMod val="120000"/>
+              </a:schemeClr>
+            </a:gs>
+          </a:gsLst>
+          <a:lin ang="5400000" scaled="0"/>
+        </a:gradFill>
+      </a:bgFillStyleLst>
+    </a:fmtScheme>
+  </a:themeElements>
+  <a:extLst>
+    <a:ext uri="{05A4C25C-085E-4340-85A3-A5531E510DB2}">
+      <thm15:themeFamily xmlns:thm15="http://schemas.microsoft.com/office/thememl/2012/main" name="Office Theme" id="{62F939B6-93AF-4DB8-9C6B-D6C7DFDC589F}" vid="{4A3C46E8-61CC-4603-A589-7422A47A8E4A}"/>
+    </a:ext>
+  </a:extLst>
+</a:theme>
+</file>
+
+<file path=ppt/theme/theme3.xml><?xml version="1.0" encoding="utf-8"?>
+<a:theme xmlns:a="http://schemas.openxmlformats.org/drawingml/2006/main" name="Office 主题">
+  <a:themeElements>
+    <a:clrScheme name="Office">
+      <a:dk1>
+        <a:sysClr val="windowText" lastClr="000000"/>
+      </a:dk1>
+      <a:lt1>
+        <a:sysClr val="window" lastClr="FFFFFF"/>
+      </a:lt1>
+      <a:dk2>
+        <a:srgbClr val="44546A"/>
+      </a:dk2>
+      <a:lt2>
+        <a:srgbClr val="E7E6E6"/>
+      </a:lt2>
+      <a:accent1>
+        <a:srgbClr val="5B9BD5"/>
+      </a:accent1>
+      <a:accent2>
+        <a:srgbClr val="ED7D31"/>
+      </a:accent2>
+      <a:accent3>
+        <a:srgbClr val="A5A5A5"/>
+      </a:accent3>
+      <a:accent4>
+        <a:srgbClr val="FFC000"/>
+      </a:accent4>
+      <a:accent5>
+        <a:srgbClr val="4472C4"/>
+      </a:accent5>
+      <a:accent6>
+        <a:srgbClr val="70AD47"/>
+      </a:accent6>
+      <a:hlink>
+        <a:srgbClr val="0563C1"/>
+      </a:hlink>
+      <a:folHlink>
+        <a:srgbClr val="954F72"/>
+      </a:folHlink>
+    </a:clrScheme>
+    <a:fontScheme name="Office">
+      <a:majorFont>
+        <a:latin typeface="Calibri Light"/>
+        <a:ea typeface=""/>
+        <a:cs typeface=""/>
+        <a:font script="Jpan" typeface="ＭＳ Ｐゴシック"/>
+        <a:font script="Hang" typeface="맑은 고딕"/>
+        <a:font script="Hans" typeface="宋体"/>
+        <a:font script="Hant" typeface="新細明體"/>
+        <a:font script="Arab" typeface="Times New Roman"/>
+        <a:font script="Hebr" typeface="Times New Roman"/>
+        <a:font script="Thai" typeface="Angsana New"/>
+        <a:font script="Ethi" typeface="Nyala"/>
+        <a:font script="Beng" typeface="Vrinda"/>
+        <a:font script="Gujr" typeface="Shruti"/>
+        <a:font script="Khmr" typeface="MoolBoran"/>
+        <a:font script="Knda" typeface="Tunga"/>
+        <a:font script="Guru" typeface="Raavi"/>
+        <a:font script="Cans" typeface="Euphemia"/>
+        <a:font script="Cher" typeface="Plantagenet Cherokee"/>
+        <a:font script="Yiii" typeface="Microsoft Yi Baiti"/>
+        <a:font script="Tibt" typeface="Microsoft Himalaya"/>
+        <a:font script="Thaa" typeface="MV Boli"/>
+        <a:font script="Deva" typeface="Mangal"/>
+        <a:font script="Telu" typeface="Gautami"/>
+        <a:font script="Taml" typeface="Latha"/>
+        <a:font script="Syrc" typeface="Estrangelo Edessa"/>
+        <a:font script="Orya" typeface="Kalinga"/>
+        <a:font script="Mlym" typeface="Kartika"/>
+        <a:font script="Laoo" typeface="DokChampa"/>
+        <a:font script="Sinh" typeface="Iskoola Pota"/>
+        <a:font script="Mong" typeface="Mongolian Baiti"/>
+        <a:font script="Viet" typeface="Times New Roman"/>
+        <a:font script="Uigh" typeface="Microsoft Uighur"/>
+        <a:font script="Geor" typeface="Sylfaen"/>
+      </a:majorFont>
+      <a:minorFont>
+        <a:latin typeface="Calibri"/>
+        <a:ea typeface=""/>
+        <a:cs typeface=""/>
+        <a:font script="Jpan" typeface="ＭＳ Ｐゴシック"/>
+        <a:font script="Hang" typeface="맑은 고딕"/>
+        <a:font script="Hans" typeface="宋体"/>
+        <a:font script="Hant" typeface="新細明體"/>
+        <a:font script="Arab" typeface="Arial"/>
+        <a:font script="Hebr" typeface="Arial"/>
+        <a:font script="Thai" typeface="Cordia New"/>
+        <a:font script="Ethi" typeface="Nyala"/>
+        <a:font script="Beng" typeface="Vrinda"/>
+        <a:font script="Gujr" typeface="Shruti"/>
+        <a:font script="Khmr" typeface="DaunPenh"/>
+        <a:font script="Knda" typeface="Tunga"/>
+        <a:font script="Guru" typeface="Raavi"/>
+        <a:font script="Cans" typeface="Euphemia"/>
+        <a:font script="Cher" typeface="Plantagenet Cherokee"/>
+        <a:font script="Yiii" typeface="Microsoft Yi Baiti"/>
+        <a:font script="Tibt" typeface="Microsoft Himalaya"/>
+        <a:font script="Thaa" typeface="MV Boli"/>
+        <a:font script="Deva" typeface="Mangal"/>
+        <a:font script="Telu" typeface="Gautami"/>
+        <a:font script="Taml" typeface="Latha"/>
+        <a:font script="Syrc" typeface="Estrangelo Edessa"/>
+        <a:font script="Orya" typeface="Kalinga"/>
+        <a:font script="Mlym" typeface="Kartika"/>
+        <a:font script="Laoo" typeface="DokChampa"/>
+        <a:font script="Sinh" typeface="Iskoola Pota"/>
+        <a:font script="Mong" typeface="Mongolian Baiti"/>
+        <a:font script="Viet" typeface="Arial"/>
+        <a:font script="Uigh" typeface="Microsoft Uighur"/>
+        <a:font script="Geor" typeface="Sylfaen"/>
+      </a:minorFont>
+    </a:fontScheme>
+    <a:fmtScheme name="Office">
+      <a:fillStyleLst>
+        <a:solidFill>
+          <a:schemeClr val="phClr"/>
+        </a:solidFill>
+        <a:gradFill rotWithShape="1">
+          <a:gsLst>
+            <a:gs pos="0">
+              <a:schemeClr val="phClr">
+                <a:lumMod val="110000"/>
+                <a:satMod val="105000"/>
+                <a:tint val="67000"/>
+              </a:schemeClr>
+            </a:gs>
+            <a:gs pos="50000">
+              <a:schemeClr val="phClr">
+                <a:lumMod val="105000"/>
+                <a:satMod val="103000"/>
+                <a:tint val="73000"/>
+              </a:schemeClr>
+            </a:gs>
+            <a:gs pos="100000">
+              <a:schemeClr val="phClr">
+                <a:lumMod val="105000"/>
+                <a:satMod val="109000"/>
+                <a:tint val="81000"/>
+              </a:schemeClr>
+            </a:gs>
+          </a:gsLst>
+          <a:lin ang="5400000" scaled="0"/>
+        </a:gradFill>
+        <a:gradFill rotWithShape="1">
+          <a:gsLst>
+            <a:gs pos="0">
+              <a:schemeClr val="phClr">
+                <a:satMod val="103000"/>
+                <a:lumMod val="102000"/>
+                <a:tint val="94000"/>
+              </a:schemeClr>
+            </a:gs>
+            <a:gs pos="50000">
+              <a:schemeClr val="phClr">
+                <a:satMod val="110000"/>
+                <a:lumMod val="100000"/>
+                <a:shade val="100000"/>
+              </a:schemeClr>
+            </a:gs>
+            <a:gs pos="100000">
+              <a:schemeClr val="phClr">
+                <a:lumMod val="99000"/>
+                <a:satMod val="120000"/>
+                <a:shade val="78000"/>
+              </a:schemeClr>
+            </a:gs>
+          </a:gsLst>
+          <a:lin ang="5400000" scaled="0"/>
+        </a:gradFill>
+      </a:fillStyleLst>
+      <a:lnStyleLst>
+        <a:ln w="6350" cap="flat" cmpd="sng" algn="ctr">
+          <a:solidFill>
+            <a:schemeClr val="phClr"/>
+          </a:solidFill>
+          <a:prstDash val="solid"/>
+          <a:miter lim="800000"/>
+        </a:ln>
+        <a:ln w="12700" cap="flat" cmpd="sng" algn="ctr">
+          <a:solidFill>
+            <a:schemeClr val="phClr"/>
+          </a:solidFill>
+          <a:prstDash val="solid"/>
+          <a:miter lim="800000"/>
+        </a:ln>
+        <a:ln w="19050" cap="flat" cmpd="sng" algn="ctr">
+          <a:solidFill>
+            <a:schemeClr val="phClr"/>
+          </a:solidFill>
+          <a:prstDash val="solid"/>
+          <a:miter lim="800000"/>
+        </a:ln>
+      </a:lnStyleLst>
+      <a:effectStyleLst>
+        <a:effectStyle>
+          <a:effectLst/>
+        </a:effectStyle>
+        <a:effectStyle>
+          <a:effectLst/>
+        </a:effectStyle>
+        <a:effectStyle>
+          <a:effectLst>
+            <a:outerShdw blurRad="57150" dist="19050" dir="5400000" algn="ctr" rotWithShape="0">
+              <a:srgbClr val="000000">
+                <a:alpha val="63000"/>
+              </a:srgbClr>
+            </a:outerShdw>
+          </a:effectLst>
+        </a:effectStyle>
+      </a:effectStyleLst>
+      <a:bgFillStyleLst>
+        <a:solidFill>
+          <a:schemeClr val="phClr"/>
+        </a:solidFill>
+        <a:solidFill>
+          <a:schemeClr val="phClr">
+            <a:tint val="95000"/>
+            <a:satMod val="170000"/>
+          </a:schemeClr>
+        </a:solidFill>
+        <a:gradFill rotWithShape="1">
+          <a:gsLst>
+            <a:gs pos="0">
+              <a:schemeClr val="phClr">
+                <a:tint val="93000"/>
+                <a:satMod val="150000"/>
+                <a:shade val="98000"/>
+                <a:lumMod val="102000"/>
+              </a:schemeClr>
+            </a:gs>
+            <a:gs pos="50000">
+              <a:schemeClr val="phClr">
+                <a:tint val="98000"/>
+                <a:satMod val="130000"/>
+                <a:shade val="90000"/>
+                <a:lumMod val="103000"/>
+              </a:schemeClr>
+            </a:gs>
+            <a:gs pos="100000">
+              <a:schemeClr val="phClr">
+                <a:shade val="63000"/>
+                <a:satMod val="120000"/>
+              </a:schemeClr>
+            </a:gs>
+          </a:gsLst>
+          <a:lin ang="5400000" scaled="0"/>
+        </a:gradFill>
+      </a:bgFillStyleLst>
+    </a:fmtScheme>
+  </a:themeElements>
+  <a:extLst>
+    <a:ext uri="{05A4C25C-085E-4340-85A3-A5531E510DB2}">
+      <thm15:themeFamily xmlns:thm15="http://schemas.microsoft.com/office/thememl/2012/main" name="Office Theme" id="{62F939B6-93AF-4DB8-9C6B-D6C7DFDC589F}" vid="{4A3C46E8-61CC-4603-A589-7422A47A8E4A}"/>
+    </a:ext>
+  </a:extLst>
+</a:theme>
 </file>